--- a/OC_IML_P5_Presentation.pptx
+++ b/OC_IML_P5_Presentation.pptx
@@ -5,7 +5,7 @@
     <p:sldMasterId id="2147483648" r:id="rId1"/>
   </p:sldMasterIdLst>
   <p:notesMasterIdLst>
-    <p:notesMasterId r:id="rId26"/>
+    <p:notesMasterId r:id="rId28"/>
   </p:notesMasterIdLst>
   <p:sldIdLst>
     <p:sldId id="256" r:id="rId2"/>
@@ -27,11 +27,13 @@
     <p:sldId id="297" r:id="rId18"/>
     <p:sldId id="298" r:id="rId19"/>
     <p:sldId id="299" r:id="rId20"/>
-    <p:sldId id="300" r:id="rId21"/>
-    <p:sldId id="301" r:id="rId22"/>
-    <p:sldId id="302" r:id="rId23"/>
-    <p:sldId id="303" r:id="rId24"/>
-    <p:sldId id="267" r:id="rId25"/>
+    <p:sldId id="305" r:id="rId21"/>
+    <p:sldId id="300" r:id="rId22"/>
+    <p:sldId id="301" r:id="rId23"/>
+    <p:sldId id="302" r:id="rId24"/>
+    <p:sldId id="303" r:id="rId25"/>
+    <p:sldId id="306" r:id="rId26"/>
+    <p:sldId id="267" r:id="rId27"/>
   </p:sldIdLst>
   <p:sldSz cx="12192000" cy="6858000"/>
   <p:notesSz cx="6858000" cy="9144000"/>
@@ -3845,7 +3847,7 @@
           <a:lstStyle/>
           <a:p>
             <a:r>
-              <a:rPr lang="fr-FR" sz="6600">
+              <a:rPr lang="fr-FR" sz="6600" dirty="0">
                 <a:solidFill>
                   <a:srgbClr val="FFFFFF"/>
                 </a:solidFill>
@@ -3884,7 +3886,7 @@
           <a:lstStyle/>
           <a:p>
             <a:r>
-              <a:rPr lang="fr-FR">
+              <a:rPr lang="fr-FR" dirty="0">
                 <a:solidFill>
                   <a:srgbClr val="FFFFFF"/>
                 </a:solidFill>
@@ -6915,24 +6917,152 @@
               <a:buChar char="•"/>
             </a:pPr>
             <a:r>
-              <a:rPr lang="en-US" sz="2200"/>
+              <a:rPr lang="en-US" sz="2200" dirty="0" err="1"/>
               <a:t>M</a:t>
             </a:r>
             <a:r>
-              <a:rPr lang="en-US" sz="2200" b="0" i="0">
+              <a:rPr lang="en-US" sz="2200" b="0" i="0" dirty="0" err="1">
                 <a:effectLst/>
               </a:rPr>
-              <a:t>odèle </a:t>
-            </a:r>
-            <a:r>
-              <a:rPr lang="en-US" sz="2200"/>
-              <a:t>génératif probabiliste permettant </a:t>
-            </a:r>
-            <a:r>
-              <a:rPr lang="en-US" sz="2200" b="0" i="0">
+              <a:t>odèle</a:t>
+            </a:r>
+            <a:r>
+              <a:rPr lang="en-US" sz="2200" b="0" i="0" dirty="0">
                 <a:effectLst/>
               </a:rPr>
-              <a:t>d’expliquer des ensembles d’observations, par le moyen de groupes non observés, eux-mêmes définis par des similarités de données.</a:t>
+              <a:t> </a:t>
+            </a:r>
+            <a:r>
+              <a:rPr lang="en-US" sz="2200" dirty="0" err="1"/>
+              <a:t>génératif</a:t>
+            </a:r>
+            <a:r>
+              <a:rPr lang="en-US" sz="2200" dirty="0"/>
+              <a:t> </a:t>
+            </a:r>
+            <a:r>
+              <a:rPr lang="en-US" sz="2200" dirty="0" err="1"/>
+              <a:t>probabiliste</a:t>
+            </a:r>
+            <a:r>
+              <a:rPr lang="en-US" sz="2200" dirty="0"/>
+              <a:t> </a:t>
+            </a:r>
+            <a:r>
+              <a:rPr lang="en-US" sz="2200" dirty="0" err="1"/>
+              <a:t>permettant</a:t>
+            </a:r>
+            <a:r>
+              <a:rPr lang="en-US" sz="2200" dirty="0"/>
+              <a:t> </a:t>
+            </a:r>
+            <a:r>
+              <a:rPr lang="en-US" sz="2200" b="0" i="0" dirty="0" err="1">
+                <a:effectLst/>
+              </a:rPr>
+              <a:t>d’expliquer</a:t>
+            </a:r>
+            <a:r>
+              <a:rPr lang="en-US" sz="2200" b="0" i="0" dirty="0">
+                <a:effectLst/>
+              </a:rPr>
+              <a:t> des ensembles </a:t>
+            </a:r>
+            <a:r>
+              <a:rPr lang="en-US" sz="2200" b="0" i="0" dirty="0" err="1">
+                <a:effectLst/>
+              </a:rPr>
+              <a:t>d’observations</a:t>
+            </a:r>
+            <a:r>
+              <a:rPr lang="en-US" sz="2200" b="0" i="0" dirty="0">
+                <a:effectLst/>
+              </a:rPr>
+              <a:t>, par le </a:t>
+            </a:r>
+            <a:r>
+              <a:rPr lang="en-US" sz="2200" b="0" i="0" dirty="0" err="1">
+                <a:effectLst/>
+              </a:rPr>
+              <a:t>moyen</a:t>
+            </a:r>
+            <a:r>
+              <a:rPr lang="en-US" sz="2200" b="0" i="0" dirty="0">
+                <a:effectLst/>
+              </a:rPr>
+              <a:t> de </a:t>
+            </a:r>
+            <a:r>
+              <a:rPr lang="en-US" sz="2200" b="0" i="0" dirty="0" err="1">
+                <a:effectLst/>
+              </a:rPr>
+              <a:t>groupes</a:t>
+            </a:r>
+            <a:r>
+              <a:rPr lang="en-US" sz="2200" b="0" i="0" dirty="0">
+                <a:effectLst/>
+              </a:rPr>
+              <a:t> non </a:t>
+            </a:r>
+            <a:r>
+              <a:rPr lang="en-US" sz="2200" b="0" i="0" dirty="0" err="1">
+                <a:effectLst/>
+              </a:rPr>
+              <a:t>observés</a:t>
+            </a:r>
+            <a:r>
+              <a:rPr lang="en-US" sz="2200" b="0" i="0" dirty="0">
+                <a:effectLst/>
+              </a:rPr>
+              <a:t>, </a:t>
+            </a:r>
+            <a:r>
+              <a:rPr lang="en-US" sz="2200" b="0" i="0" dirty="0" err="1">
+                <a:effectLst/>
+              </a:rPr>
+              <a:t>eux-mêmes</a:t>
+            </a:r>
+            <a:r>
+              <a:rPr lang="en-US" sz="2200" b="0" i="0" dirty="0">
+                <a:effectLst/>
+              </a:rPr>
+              <a:t> </a:t>
+            </a:r>
+            <a:r>
+              <a:rPr lang="en-US" sz="2200" b="0" i="0" dirty="0" err="1">
+                <a:effectLst/>
+              </a:rPr>
+              <a:t>définis</a:t>
+            </a:r>
+            <a:r>
+              <a:rPr lang="en-US" sz="2200" b="0" i="0" dirty="0">
+                <a:effectLst/>
+              </a:rPr>
+              <a:t> par des </a:t>
+            </a:r>
+            <a:r>
+              <a:rPr lang="en-US" sz="2200" b="0" i="0" dirty="0" err="1">
+                <a:effectLst/>
+              </a:rPr>
+              <a:t>similarités</a:t>
+            </a:r>
+            <a:r>
+              <a:rPr lang="en-US" sz="2200" b="0" i="0" dirty="0">
+                <a:effectLst/>
+              </a:rPr>
+              <a:t> de </a:t>
+            </a:r>
+            <a:r>
+              <a:rPr lang="en-US" sz="2200" b="0" i="0" dirty="0" err="1">
+                <a:effectLst/>
+              </a:rPr>
+              <a:t>données</a:t>
+            </a:r>
+            <a:r>
+              <a:rPr lang="en-US" sz="2200" b="0" i="0" dirty="0">
+                <a:effectLst/>
+              </a:rPr>
+              <a:t>.</a:t>
             </a:r>
           </a:p>
           <a:p>
@@ -6946,7 +7076,7 @@
               <a:buFont typeface="Arial" panose="020B0604020202020204" pitchFamily="34" charset="0"/>
               <a:buChar char="•"/>
             </a:pPr>
-            <a:endParaRPr lang="en-US" sz="2200"/>
+            <a:endParaRPr lang="en-US" sz="2200" dirty="0"/>
           </a:p>
           <a:p>
             <a:pPr indent="-228600">
@@ -6960,8 +7090,120 @@
               <a:buChar char="•"/>
             </a:pPr>
             <a:r>
-              <a:rPr lang="en-US" sz="2200"/>
-              <a:t>le modèle LDA suppose que chaque document est un mélange d’un petit nombre de sujets ou thèmes, et que la génération de chaque occurrence d’un mot est attribuable (probabilité) à l’un des thèmes du document.</a:t>
+              <a:rPr lang="en-US" sz="2200" dirty="0"/>
+              <a:t>le </a:t>
+            </a:r>
+            <a:r>
+              <a:rPr lang="en-US" sz="2200" dirty="0" err="1"/>
+              <a:t>modèle</a:t>
+            </a:r>
+            <a:r>
+              <a:rPr lang="en-US" sz="2200" dirty="0"/>
+              <a:t> LDA suppose que </a:t>
+            </a:r>
+            <a:r>
+              <a:rPr lang="en-US" sz="2200" dirty="0" err="1"/>
+              <a:t>chaque</a:t>
+            </a:r>
+            <a:r>
+              <a:rPr lang="en-US" sz="2200" dirty="0"/>
+              <a:t> document </a:t>
+            </a:r>
+            <a:r>
+              <a:rPr lang="en-US" sz="2200" dirty="0" err="1"/>
+              <a:t>est</a:t>
+            </a:r>
+            <a:r>
+              <a:rPr lang="en-US" sz="2200" dirty="0"/>
+              <a:t> un mélange d’un petit </a:t>
+            </a:r>
+            <a:r>
+              <a:rPr lang="en-US" sz="2200" dirty="0" err="1"/>
+              <a:t>nombre</a:t>
+            </a:r>
+            <a:r>
+              <a:rPr lang="en-US" sz="2200" dirty="0"/>
+              <a:t> de </a:t>
+            </a:r>
+            <a:r>
+              <a:rPr lang="en-US" sz="2200" dirty="0" err="1"/>
+              <a:t>sujets</a:t>
+            </a:r>
+            <a:r>
+              <a:rPr lang="en-US" sz="2200" dirty="0"/>
+              <a:t> </a:t>
+            </a:r>
+            <a:r>
+              <a:rPr lang="en-US" sz="2200" dirty="0" err="1"/>
+              <a:t>ou</a:t>
+            </a:r>
+            <a:r>
+              <a:rPr lang="en-US" sz="2200" dirty="0"/>
+              <a:t> </a:t>
+            </a:r>
+            <a:r>
+              <a:rPr lang="en-US" sz="2200" dirty="0" err="1"/>
+              <a:t>thèmes</a:t>
+            </a:r>
+            <a:r>
+              <a:rPr lang="en-US" sz="2200" dirty="0"/>
+              <a:t>, et que la </a:t>
+            </a:r>
+            <a:r>
+              <a:rPr lang="en-US" sz="2200" dirty="0" err="1"/>
+              <a:t>génération</a:t>
+            </a:r>
+            <a:r>
+              <a:rPr lang="en-US" sz="2200" dirty="0"/>
+              <a:t> de </a:t>
+            </a:r>
+            <a:r>
+              <a:rPr lang="en-US" sz="2200" dirty="0" err="1"/>
+              <a:t>chaque</a:t>
+            </a:r>
+            <a:r>
+              <a:rPr lang="en-US" sz="2200" dirty="0"/>
+              <a:t> occurrence d’un mot </a:t>
+            </a:r>
+            <a:r>
+              <a:rPr lang="en-US" sz="2200" dirty="0" err="1"/>
+              <a:t>est</a:t>
+            </a:r>
+            <a:r>
+              <a:rPr lang="en-US" sz="2200" dirty="0"/>
+              <a:t> </a:t>
+            </a:r>
+            <a:r>
+              <a:rPr lang="en-US" sz="2200" dirty="0" err="1"/>
+              <a:t>attribuable</a:t>
+            </a:r>
+            <a:r>
+              <a:rPr lang="en-US" sz="2200" dirty="0"/>
+              <a:t> (</a:t>
+            </a:r>
+            <a:r>
+              <a:rPr lang="en-US" sz="2200" dirty="0" err="1"/>
+              <a:t>probabilité</a:t>
+            </a:r>
+            <a:r>
+              <a:rPr lang="en-US" sz="2200" dirty="0"/>
+              <a:t>) à </a:t>
+            </a:r>
+            <a:r>
+              <a:rPr lang="en-US" sz="2200" dirty="0" err="1"/>
+              <a:t>l’un</a:t>
+            </a:r>
+            <a:r>
+              <a:rPr lang="en-US" sz="2200" dirty="0"/>
+              <a:t> des </a:t>
+            </a:r>
+            <a:r>
+              <a:rPr lang="en-US" sz="2200" dirty="0" err="1"/>
+              <a:t>thèmes</a:t>
+            </a:r>
+            <a:r>
+              <a:rPr lang="en-US" sz="2200" dirty="0"/>
+              <a:t> du document.</a:t>
             </a:r>
           </a:p>
         </p:txBody>
@@ -9437,7 +9679,7 @@
                 <a:ea typeface="+mj-ea"/>
                 <a:cs typeface="+mj-cs"/>
               </a:rPr>
-              <a:t>Naïve Bayes</a:t>
+              <a:t>Baseline</a:t>
             </a:r>
           </a:p>
         </p:txBody>
@@ -9799,7 +10041,7 @@
         </p:nvSpPr>
         <p:spPr>
           <a:xfrm>
-            <a:off x="5126418" y="552091"/>
+            <a:off x="5027713" y="2221166"/>
             <a:ext cx="6224335" cy="1914018"/>
           </a:xfrm>
           <a:prstGeom prst="rect">
@@ -9822,7 +10064,21 @@
             </a:pPr>
             <a:r>
               <a:rPr lang="fr-FR" sz="2400" dirty="0"/>
-              <a:t>Classifier qui suppose l’indépendance des variables entre elles</a:t>
+              <a:t>Classifier qui prédit la classe la plus fréquente.</a:t>
+            </a:r>
+          </a:p>
+          <a:p>
+            <a:pPr>
+              <a:lnSpc>
+                <a:spcPct val="90000"/>
+              </a:lnSpc>
+              <a:spcAft>
+                <a:spcPts val="600"/>
+              </a:spcAft>
+            </a:pPr>
+            <a:r>
+              <a:rPr lang="fr-FR" sz="2400" dirty="0"/>
+              <a:t>Permet de comparer les résultats avec les autres modèles</a:t>
             </a:r>
             <a:endParaRPr lang="en-US" sz="2200" dirty="0"/>
           </a:p>
@@ -9874,96 +10130,6 @@
           </a:p>
         </p:txBody>
       </p:sp>
-      <p:pic>
-        <p:nvPicPr>
-          <p:cNvPr id="15362" name="Picture 2">
-            <a:extLst>
-              <a:ext uri="{FF2B5EF4-FFF2-40B4-BE49-F238E27FC236}">
-                <a16:creationId xmlns:a16="http://schemas.microsoft.com/office/drawing/2014/main" id="{1060BE90-B299-4296-B7C3-ED2AFAED17A1}"/>
-              </a:ext>
-            </a:extLst>
-          </p:cNvPr>
-          <p:cNvPicPr>
-            <a:picLocks noChangeAspect="1" noChangeArrowheads="1"/>
-          </p:cNvPicPr>
-          <p:nvPr/>
-        </p:nvPicPr>
-        <p:blipFill rotWithShape="1">
-          <a:blip r:embed="rId2">
-            <a:extLst>
-              <a:ext uri="{28A0092B-C50C-407E-A947-70E740481C1C}">
-                <a14:useLocalDpi xmlns:a14="http://schemas.microsoft.com/office/drawing/2010/main" val="0"/>
-              </a:ext>
-            </a:extLst>
-          </a:blip>
-          <a:srcRect l="60861" t="33080"/>
-          <a:stretch/>
-        </p:blipFill>
-        <p:spPr bwMode="auto">
-          <a:xfrm>
-            <a:off x="8421740" y="2611509"/>
-            <a:ext cx="3262024" cy="2785486"/>
-          </a:xfrm>
-          <a:prstGeom prst="rect">
-            <a:avLst/>
-          </a:prstGeom>
-          <a:noFill/>
-          <a:extLst>
-            <a:ext uri="{909E8E84-426E-40DD-AFC4-6F175D3DCCD1}">
-              <a14:hiddenFill xmlns:a14="http://schemas.microsoft.com/office/drawing/2010/main">
-                <a:solidFill>
-                  <a:srgbClr val="FFFFFF"/>
-                </a:solidFill>
-              </a14:hiddenFill>
-            </a:ext>
-          </a:extLst>
-        </p:spPr>
-      </p:pic>
-      <p:pic>
-        <p:nvPicPr>
-          <p:cNvPr id="15364" name="Picture 4">
-            <a:extLst>
-              <a:ext uri="{FF2B5EF4-FFF2-40B4-BE49-F238E27FC236}">
-                <a16:creationId xmlns:a16="http://schemas.microsoft.com/office/drawing/2014/main" id="{23A77A8A-31C1-422F-92A0-E2C83571C2FC}"/>
-              </a:ext>
-            </a:extLst>
-          </p:cNvPr>
-          <p:cNvPicPr>
-            <a:picLocks noChangeAspect="1" noChangeArrowheads="1"/>
-          </p:cNvPicPr>
-          <p:nvPr/>
-        </p:nvPicPr>
-        <p:blipFill rotWithShape="1">
-          <a:blip r:embed="rId2">
-            <a:extLst>
-              <a:ext uri="{28A0092B-C50C-407E-A947-70E740481C1C}">
-                <a14:useLocalDpi xmlns:a14="http://schemas.microsoft.com/office/drawing/2010/main" val="0"/>
-              </a:ext>
-            </a:extLst>
-          </a:blip>
-          <a:srcRect l="1679" t="37296" r="42794" b="2791"/>
-          <a:stretch/>
-        </p:blipFill>
-        <p:spPr bwMode="auto">
-          <a:xfrm>
-            <a:off x="4941285" y="3208990"/>
-            <a:ext cx="3262024" cy="1757837"/>
-          </a:xfrm>
-          <a:prstGeom prst="rect">
-            <a:avLst/>
-          </a:prstGeom>
-          <a:noFill/>
-          <a:extLst>
-            <a:ext uri="{909E8E84-426E-40DD-AFC4-6F175D3DCCD1}">
-              <a14:hiddenFill xmlns:a14="http://schemas.microsoft.com/office/drawing/2010/main">
-                <a:solidFill>
-                  <a:srgbClr val="FFFFFF"/>
-                </a:solidFill>
-              </a14:hiddenFill>
-            </a:ext>
-          </a:extLst>
-        </p:spPr>
-      </p:pic>
     </p:spTree>
     <p:extLst>
       <p:ext uri="{BB962C8B-B14F-4D97-AF65-F5344CB8AC3E}">
@@ -10822,7 +10988,7 @@
                 <a:ea typeface="+mj-ea"/>
                 <a:cs typeface="+mj-cs"/>
               </a:rPr>
-              <a:t>Logistic Regression</a:t>
+              <a:t>Naïve Bayes</a:t>
             </a:r>
           </a:p>
         </p:txBody>
@@ -11185,7 +11351,7 @@
         <p:spPr>
           <a:xfrm>
             <a:off x="5126418" y="552091"/>
-            <a:ext cx="6224335" cy="1766236"/>
+            <a:ext cx="6224335" cy="1914018"/>
           </a:xfrm>
           <a:prstGeom prst="rect">
             <a:avLst/>
@@ -11207,11 +11373,7 @@
             </a:pPr>
             <a:r>
               <a:rPr lang="fr-FR" sz="2400" dirty="0"/>
-              <a:t>Classifier permettant d’assigner une probabilité d’appartenance à une classe (0/1) grâce à la fonction </a:t>
-            </a:r>
-            <a:r>
-              <a:rPr lang="fr-FR" sz="2400" dirty="0" err="1"/>
-              <a:t>sigmoid</a:t>
+              <a:t>Classifier qui suppose l’indépendance des variables entre elles</a:t>
             </a:r>
             <a:endParaRPr lang="en-US" sz="2200" dirty="0"/>
           </a:p>
@@ -11265,10 +11427,10 @@
       </p:sp>
       <p:pic>
         <p:nvPicPr>
-          <p:cNvPr id="16386" name="Picture 2" descr="Logistic Regression with Python. Logistic regression was once the most… |  by ODSC - Open Data Science | Medium">
-            <a:extLst>
-              <a:ext uri="{FF2B5EF4-FFF2-40B4-BE49-F238E27FC236}">
-                <a16:creationId xmlns:a16="http://schemas.microsoft.com/office/drawing/2014/main" id="{DBB42B23-C73A-4900-B584-8621D3C87204}"/>
+          <p:cNvPr id="15362" name="Picture 2">
+            <a:extLst>
+              <a:ext uri="{FF2B5EF4-FFF2-40B4-BE49-F238E27FC236}">
+                <a16:creationId xmlns:a16="http://schemas.microsoft.com/office/drawing/2014/main" id="{1060BE90-B299-4296-B7C3-ED2AFAED17A1}"/>
               </a:ext>
             </a:extLst>
           </p:cNvPr>
@@ -11285,13 +11447,58 @@
               </a:ext>
             </a:extLst>
           </a:blip>
-          <a:srcRect l="50303"/>
+          <a:srcRect l="60861" t="33080"/>
           <a:stretch/>
         </p:blipFill>
         <p:spPr bwMode="auto">
           <a:xfrm>
-            <a:off x="6800766" y="2640013"/>
-            <a:ext cx="3029527" cy="2857500"/>
+            <a:off x="8421740" y="2611509"/>
+            <a:ext cx="3262024" cy="2785486"/>
+          </a:xfrm>
+          <a:prstGeom prst="rect">
+            <a:avLst/>
+          </a:prstGeom>
+          <a:noFill/>
+          <a:extLst>
+            <a:ext uri="{909E8E84-426E-40DD-AFC4-6F175D3DCCD1}">
+              <a14:hiddenFill xmlns:a14="http://schemas.microsoft.com/office/drawing/2010/main">
+                <a:solidFill>
+                  <a:srgbClr val="FFFFFF"/>
+                </a:solidFill>
+              </a14:hiddenFill>
+            </a:ext>
+          </a:extLst>
+        </p:spPr>
+      </p:pic>
+      <p:pic>
+        <p:nvPicPr>
+          <p:cNvPr id="15364" name="Picture 4">
+            <a:extLst>
+              <a:ext uri="{FF2B5EF4-FFF2-40B4-BE49-F238E27FC236}">
+                <a16:creationId xmlns:a16="http://schemas.microsoft.com/office/drawing/2014/main" id="{23A77A8A-31C1-422F-92A0-E2C83571C2FC}"/>
+              </a:ext>
+            </a:extLst>
+          </p:cNvPr>
+          <p:cNvPicPr>
+            <a:picLocks noChangeAspect="1" noChangeArrowheads="1"/>
+          </p:cNvPicPr>
+          <p:nvPr/>
+        </p:nvPicPr>
+        <p:blipFill rotWithShape="1">
+          <a:blip r:embed="rId2">
+            <a:extLst>
+              <a:ext uri="{28A0092B-C50C-407E-A947-70E740481C1C}">
+                <a14:useLocalDpi xmlns:a14="http://schemas.microsoft.com/office/drawing/2010/main" val="0"/>
+              </a:ext>
+            </a:extLst>
+          </a:blip>
+          <a:srcRect l="1679" t="37296" r="42794" b="2791"/>
+          <a:stretch/>
+        </p:blipFill>
+        <p:spPr bwMode="auto">
+          <a:xfrm>
+            <a:off x="4941285" y="3208990"/>
+            <a:ext cx="3262024" cy="1757837"/>
           </a:xfrm>
           <a:prstGeom prst="rect">
             <a:avLst/>
@@ -11311,7 +11518,7 @@
     </p:spTree>
     <p:extLst>
       <p:ext uri="{BB962C8B-B14F-4D97-AF65-F5344CB8AC3E}">
-        <p14:creationId xmlns:p14="http://schemas.microsoft.com/office/powerpoint/2010/main" val="4045595380"/>
+        <p14:creationId xmlns:p14="http://schemas.microsoft.com/office/powerpoint/2010/main" val="2774483801"/>
       </p:ext>
     </p:extLst>
   </p:cSld>
@@ -11443,7 +11650,7 @@
                 <a:ea typeface="+mj-ea"/>
                 <a:cs typeface="+mj-cs"/>
               </a:rPr>
-              <a:t>Support Vector Machine</a:t>
+              <a:t>Logistic Regression</a:t>
             </a:r>
           </a:p>
         </p:txBody>
@@ -11805,8 +12012,8 @@
         </p:nvSpPr>
         <p:spPr>
           <a:xfrm>
-            <a:off x="5126418" y="745766"/>
-            <a:ext cx="6224335" cy="1552934"/>
+            <a:off x="5126418" y="552091"/>
+            <a:ext cx="6224335" cy="1766236"/>
           </a:xfrm>
           <a:prstGeom prst="rect">
             <a:avLst/>
@@ -11828,7 +12035,11 @@
             </a:pPr>
             <a:r>
               <a:rPr lang="fr-FR" sz="2400" dirty="0"/>
-              <a:t>Classifier recherchant à maximiser les marges entre les échantillons les plus proches (vecteurs supports)</a:t>
+              <a:t>Classifier permettant d’assigner une probabilité d’appartenance à une classe (0/1) grâce à la fonction </a:t>
+            </a:r>
+            <a:r>
+              <a:rPr lang="fr-FR" sz="2400" dirty="0" err="1"/>
+              <a:t>sigmoid</a:t>
             </a:r>
             <a:endParaRPr lang="en-US" sz="2200" dirty="0"/>
           </a:p>
@@ -11882,10 +12093,10 @@
       </p:sp>
       <p:pic>
         <p:nvPicPr>
-          <p:cNvPr id="17410" name="Picture 2" descr="Support Vector Machine — Simply Explained | by Lilly Chen | Towards Data  Science">
-            <a:extLst>
-              <a:ext uri="{FF2B5EF4-FFF2-40B4-BE49-F238E27FC236}">
-                <a16:creationId xmlns:a16="http://schemas.microsoft.com/office/drawing/2014/main" id="{06633808-5C19-4BBC-91BB-8116B85DD02C}"/>
+          <p:cNvPr id="16386" name="Picture 2" descr="Logistic Regression with Python. Logistic regression was once the most… |  by ODSC - Open Data Science | Medium">
+            <a:extLst>
+              <a:ext uri="{FF2B5EF4-FFF2-40B4-BE49-F238E27FC236}">
+                <a16:creationId xmlns:a16="http://schemas.microsoft.com/office/drawing/2014/main" id="{DBB42B23-C73A-4900-B584-8621D3C87204}"/>
               </a:ext>
             </a:extLst>
           </p:cNvPr>
@@ -11902,13 +12113,13 @@
               </a:ext>
             </a:extLst>
           </a:blip>
-          <a:srcRect l="14111" r="22482"/>
+          <a:srcRect l="50303"/>
           <a:stretch/>
         </p:blipFill>
         <p:spPr bwMode="auto">
           <a:xfrm>
-            <a:off x="5658150" y="2492375"/>
-            <a:ext cx="5091295" cy="3476625"/>
+            <a:off x="6800766" y="2640013"/>
+            <a:ext cx="3029527" cy="2857500"/>
           </a:xfrm>
           <a:prstGeom prst="rect">
             <a:avLst/>
@@ -11928,7 +12139,7 @@
     </p:spTree>
     <p:extLst>
       <p:ext uri="{BB962C8B-B14F-4D97-AF65-F5344CB8AC3E}">
-        <p14:creationId xmlns:p14="http://schemas.microsoft.com/office/powerpoint/2010/main" val="1158531057"/>
+        <p14:creationId xmlns:p14="http://schemas.microsoft.com/office/powerpoint/2010/main" val="4045595380"/>
       </p:ext>
     </p:extLst>
   </p:cSld>
@@ -12060,7 +12271,7 @@
                 <a:ea typeface="+mj-ea"/>
                 <a:cs typeface="+mj-cs"/>
               </a:rPr>
-              <a:t>Random Forest</a:t>
+              <a:t>Support Vector Machine</a:t>
             </a:r>
           </a:p>
         </p:txBody>
@@ -12422,8 +12633,8 @@
         </p:nvSpPr>
         <p:spPr>
           <a:xfrm>
-            <a:off x="5126418" y="552091"/>
-            <a:ext cx="6224335" cy="1793945"/>
+            <a:off x="5126418" y="745766"/>
+            <a:ext cx="6224335" cy="1552934"/>
           </a:xfrm>
           <a:prstGeom prst="rect">
             <a:avLst/>
@@ -12435,13 +12646,19 @@
           </a:bodyPr>
           <a:lstStyle/>
           <a:p>
-            <a:pPr marL="0" indent="0">
-              <a:buNone/>
+            <a:pPr>
+              <a:lnSpc>
+                <a:spcPct val="90000"/>
+              </a:lnSpc>
+              <a:spcAft>
+                <a:spcPts val="600"/>
+              </a:spcAft>
             </a:pPr>
             <a:r>
               <a:rPr lang="fr-FR" sz="2400" dirty="0"/>
-              <a:t>La forêt aléatoire se repose sur plusieurs modèles dits « faibles » d’arbres de décision puis les combinent en prenant la solution de la majorité.</a:t>
-            </a:r>
+              <a:t>Classifier recherchant à maximiser les marges entre les échantillons les plus proches (vecteurs supports)</a:t>
+            </a:r>
+            <a:endParaRPr lang="en-US" sz="2200" dirty="0"/>
           </a:p>
         </p:txBody>
       </p:sp>
@@ -12486,6 +12703,617 @@
                 </a:spcAft>
               </a:pPr>
               <a:t>22</a:t>
+            </a:fld>
+            <a:endParaRPr lang="en-US"/>
+          </a:p>
+        </p:txBody>
+      </p:sp>
+      <p:pic>
+        <p:nvPicPr>
+          <p:cNvPr id="17410" name="Picture 2" descr="Support Vector Machine — Simply Explained | by Lilly Chen | Towards Data  Science">
+            <a:extLst>
+              <a:ext uri="{FF2B5EF4-FFF2-40B4-BE49-F238E27FC236}">
+                <a16:creationId xmlns:a16="http://schemas.microsoft.com/office/drawing/2014/main" id="{06633808-5C19-4BBC-91BB-8116B85DD02C}"/>
+              </a:ext>
+            </a:extLst>
+          </p:cNvPr>
+          <p:cNvPicPr>
+            <a:picLocks noChangeAspect="1" noChangeArrowheads="1"/>
+          </p:cNvPicPr>
+          <p:nvPr/>
+        </p:nvPicPr>
+        <p:blipFill rotWithShape="1">
+          <a:blip r:embed="rId2">
+            <a:extLst>
+              <a:ext uri="{28A0092B-C50C-407E-A947-70E740481C1C}">
+                <a14:useLocalDpi xmlns:a14="http://schemas.microsoft.com/office/drawing/2010/main" val="0"/>
+              </a:ext>
+            </a:extLst>
+          </a:blip>
+          <a:srcRect l="14111" r="22482"/>
+          <a:stretch/>
+        </p:blipFill>
+        <p:spPr bwMode="auto">
+          <a:xfrm>
+            <a:off x="5658150" y="2492375"/>
+            <a:ext cx="5091295" cy="3476625"/>
+          </a:xfrm>
+          <a:prstGeom prst="rect">
+            <a:avLst/>
+          </a:prstGeom>
+          <a:noFill/>
+          <a:extLst>
+            <a:ext uri="{909E8E84-426E-40DD-AFC4-6F175D3DCCD1}">
+              <a14:hiddenFill xmlns:a14="http://schemas.microsoft.com/office/drawing/2010/main">
+                <a:solidFill>
+                  <a:srgbClr val="FFFFFF"/>
+                </a:solidFill>
+              </a14:hiddenFill>
+            </a:ext>
+          </a:extLst>
+        </p:spPr>
+      </p:pic>
+    </p:spTree>
+    <p:extLst>
+      <p:ext uri="{BB962C8B-B14F-4D97-AF65-F5344CB8AC3E}">
+        <p14:creationId xmlns:p14="http://schemas.microsoft.com/office/powerpoint/2010/main" val="1158531057"/>
+      </p:ext>
+    </p:extLst>
+  </p:cSld>
+  <p:clrMapOvr>
+    <a:masterClrMapping/>
+  </p:clrMapOvr>
+</p:sld>
+</file>
+
+<file path=ppt/slides/slide23.xml><?xml version="1.0" encoding="utf-8"?>
+<p:sld xmlns:a="http://schemas.openxmlformats.org/drawingml/2006/main" xmlns:r="http://schemas.openxmlformats.org/officeDocument/2006/relationships" xmlns:p="http://schemas.openxmlformats.org/presentationml/2006/main">
+  <p:cSld>
+    <p:bg>
+      <p:bgPr>
+        <a:solidFill>
+          <a:schemeClr val="bg1"/>
+        </a:solidFill>
+        <a:effectLst/>
+      </p:bgPr>
+    </p:bg>
+    <p:spTree>
+      <p:nvGrpSpPr>
+        <p:cNvPr id="1" name=""/>
+        <p:cNvGrpSpPr/>
+        <p:nvPr/>
+      </p:nvGrpSpPr>
+      <p:grpSpPr>
+        <a:xfrm>
+          <a:off x="0" y="0"/>
+          <a:ext cx="0" cy="0"/>
+          <a:chOff x="0" y="0"/>
+          <a:chExt cx="0" cy="0"/>
+        </a:xfrm>
+      </p:grpSpPr>
+      <p:sp useBgFill="1">
+        <p:nvSpPr>
+          <p:cNvPr id="24" name="Rectangle 23">
+            <a:extLst>
+              <a:ext uri="{FF2B5EF4-FFF2-40B4-BE49-F238E27FC236}">
+                <a16:creationId xmlns:a16="http://schemas.microsoft.com/office/drawing/2014/main" id="{777A147A-9ED8-46B4-8660-1B3C2AA880B5}"/>
+              </a:ext>
+              <a:ext uri="{C183D7F6-B498-43B3-948B-1728B52AA6E4}">
+                <adec:decorative xmlns:adec="http://schemas.microsoft.com/office/drawing/2017/decorative" val="1"/>
+              </a:ext>
+            </a:extLst>
+          </p:cNvPr>
+          <p:cNvSpPr>
+            <a:spLocks noGrp="1" noRot="1" noChangeAspect="1" noMove="1" noResize="1" noEditPoints="1" noAdjustHandles="1" noChangeArrowheads="1" noChangeShapeType="1" noTextEdit="1"/>
+          </p:cNvSpPr>
+          <p:nvPr>
+            <p:extLst>
+              <p:ext uri="{386F3935-93C4-4BCD-93E2-E3B085C9AB24}">
+                <p16:designElem xmlns:p16="http://schemas.microsoft.com/office/powerpoint/2015/main" val="1"/>
+              </p:ext>
+            </p:extLst>
+          </p:nvPr>
+        </p:nvSpPr>
+        <p:spPr>
+          <a:xfrm>
+            <a:off x="0" y="0"/>
+            <a:ext cx="12188952" cy="6858000"/>
+          </a:xfrm>
+          <a:prstGeom prst="rect">
+            <a:avLst/>
+          </a:prstGeom>
+          <a:ln>
+            <a:noFill/>
+          </a:ln>
+        </p:spPr>
+        <p:style>
+          <a:lnRef idx="2">
+            <a:schemeClr val="accent1">
+              <a:shade val="50000"/>
+            </a:schemeClr>
+          </a:lnRef>
+          <a:fillRef idx="1">
+            <a:schemeClr val="accent1"/>
+          </a:fillRef>
+          <a:effectRef idx="0">
+            <a:schemeClr val="accent1"/>
+          </a:effectRef>
+          <a:fontRef idx="minor">
+            <a:schemeClr val="lt1"/>
+          </a:fontRef>
+        </p:style>
+        <p:txBody>
+          <a:bodyPr rtlCol="0" anchor="ctr"/>
+          <a:lstStyle/>
+          <a:p>
+            <a:pPr algn="ctr"/>
+            <a:endParaRPr lang="en-US"/>
+          </a:p>
+        </p:txBody>
+      </p:sp>
+      <p:sp>
+        <p:nvSpPr>
+          <p:cNvPr id="2" name="Titre 1">
+            <a:extLst>
+              <a:ext uri="{FF2B5EF4-FFF2-40B4-BE49-F238E27FC236}">
+                <a16:creationId xmlns:a16="http://schemas.microsoft.com/office/drawing/2014/main" id="{40A938C6-51EB-4F22-BDC5-CE66B7852635}"/>
+              </a:ext>
+            </a:extLst>
+          </p:cNvPr>
+          <p:cNvSpPr>
+            <a:spLocks noGrp="1"/>
+          </p:cNvSpPr>
+          <p:nvPr>
+            <p:ph type="title"/>
+          </p:nvPr>
+        </p:nvSpPr>
+        <p:spPr>
+          <a:xfrm>
+            <a:off x="841248" y="548640"/>
+            <a:ext cx="3600860" cy="5431536"/>
+          </a:xfrm>
+        </p:spPr>
+        <p:txBody>
+          <a:bodyPr vert="horz" lIns="91440" tIns="45720" rIns="91440" bIns="45720" rtlCol="0" anchor="ctr">
+            <a:normAutofit/>
+          </a:bodyPr>
+          <a:lstStyle/>
+          <a:p>
+            <a:r>
+              <a:rPr lang="en-US" sz="4800" kern="1200" dirty="0">
+                <a:solidFill>
+                  <a:schemeClr val="tx1"/>
+                </a:solidFill>
+                <a:latin typeface="+mj-lt"/>
+                <a:ea typeface="+mj-ea"/>
+                <a:cs typeface="+mj-cs"/>
+              </a:rPr>
+              <a:t>Random Forest</a:t>
+            </a:r>
+          </a:p>
+        </p:txBody>
+      </p:sp>
+      <p:sp>
+        <p:nvSpPr>
+          <p:cNvPr id="26" name="sketch line">
+            <a:extLst>
+              <a:ext uri="{FF2B5EF4-FFF2-40B4-BE49-F238E27FC236}">
+                <a16:creationId xmlns:a16="http://schemas.microsoft.com/office/drawing/2014/main" id="{5D6C15A0-C087-4593-8414-2B4EC1CDC3DE}"/>
+              </a:ext>
+              <a:ext uri="{C183D7F6-B498-43B3-948B-1728B52AA6E4}">
+                <adec:decorative xmlns:adec="http://schemas.microsoft.com/office/drawing/2017/decorative" val="1"/>
+              </a:ext>
+            </a:extLst>
+          </p:cNvPr>
+          <p:cNvSpPr>
+            <a:spLocks noGrp="1" noRot="1" noChangeAspect="1" noMove="1" noResize="1" noEditPoints="1" noAdjustHandles="1" noChangeArrowheads="1" noChangeShapeType="1" noTextEdit="1"/>
+          </p:cNvSpPr>
+          <p:nvPr>
+            <p:extLst>
+              <p:ext uri="{386F3935-93C4-4BCD-93E2-E3B085C9AB24}">
+                <p16:designElem xmlns:p16="http://schemas.microsoft.com/office/powerpoint/2015/main" val="1"/>
+              </p:ext>
+            </p:extLst>
+          </p:nvPr>
+        </p:nvSpPr>
+        <p:spPr>
+          <a:xfrm rot="5400000">
+            <a:off x="2543983" y="3258715"/>
+            <a:ext cx="4480560" cy="18288"/>
+          </a:xfrm>
+          <a:custGeom>
+            <a:avLst/>
+            <a:gdLst>
+              <a:gd name="connsiteX0" fmla="*/ 0 w 4480560"/>
+              <a:gd name="connsiteY0" fmla="*/ 0 h 18288"/>
+              <a:gd name="connsiteX1" fmla="*/ 595274 w 4480560"/>
+              <a:gd name="connsiteY1" fmla="*/ 0 h 18288"/>
+              <a:gd name="connsiteX2" fmla="*/ 1100938 w 4480560"/>
+              <a:gd name="connsiteY2" fmla="*/ 0 h 18288"/>
+              <a:gd name="connsiteX3" fmla="*/ 1651406 w 4480560"/>
+              <a:gd name="connsiteY3" fmla="*/ 0 h 18288"/>
+              <a:gd name="connsiteX4" fmla="*/ 2336292 w 4480560"/>
+              <a:gd name="connsiteY4" fmla="*/ 0 h 18288"/>
+              <a:gd name="connsiteX5" fmla="*/ 2931566 w 4480560"/>
+              <a:gd name="connsiteY5" fmla="*/ 0 h 18288"/>
+              <a:gd name="connsiteX6" fmla="*/ 3482035 w 4480560"/>
+              <a:gd name="connsiteY6" fmla="*/ 0 h 18288"/>
+              <a:gd name="connsiteX7" fmla="*/ 4480560 w 4480560"/>
+              <a:gd name="connsiteY7" fmla="*/ 0 h 18288"/>
+              <a:gd name="connsiteX8" fmla="*/ 4480560 w 4480560"/>
+              <a:gd name="connsiteY8" fmla="*/ 18288 h 18288"/>
+              <a:gd name="connsiteX9" fmla="*/ 3840480 w 4480560"/>
+              <a:gd name="connsiteY9" fmla="*/ 18288 h 18288"/>
+              <a:gd name="connsiteX10" fmla="*/ 3290011 w 4480560"/>
+              <a:gd name="connsiteY10" fmla="*/ 18288 h 18288"/>
+              <a:gd name="connsiteX11" fmla="*/ 2560320 w 4480560"/>
+              <a:gd name="connsiteY11" fmla="*/ 18288 h 18288"/>
+              <a:gd name="connsiteX12" fmla="*/ 1965046 w 4480560"/>
+              <a:gd name="connsiteY12" fmla="*/ 18288 h 18288"/>
+              <a:gd name="connsiteX13" fmla="*/ 1459382 w 4480560"/>
+              <a:gd name="connsiteY13" fmla="*/ 18288 h 18288"/>
+              <a:gd name="connsiteX14" fmla="*/ 774497 w 4480560"/>
+              <a:gd name="connsiteY14" fmla="*/ 18288 h 18288"/>
+              <a:gd name="connsiteX15" fmla="*/ 0 w 4480560"/>
+              <a:gd name="connsiteY15" fmla="*/ 18288 h 18288"/>
+              <a:gd name="connsiteX16" fmla="*/ 0 w 4480560"/>
+              <a:gd name="connsiteY16" fmla="*/ 0 h 18288"/>
+            </a:gdLst>
+            <a:ahLst/>
+            <a:cxnLst>
+              <a:cxn ang="0">
+                <a:pos x="connsiteX0" y="connsiteY0"/>
+              </a:cxn>
+              <a:cxn ang="0">
+                <a:pos x="connsiteX1" y="connsiteY1"/>
+              </a:cxn>
+              <a:cxn ang="0">
+                <a:pos x="connsiteX2" y="connsiteY2"/>
+              </a:cxn>
+              <a:cxn ang="0">
+                <a:pos x="connsiteX3" y="connsiteY3"/>
+              </a:cxn>
+              <a:cxn ang="0">
+                <a:pos x="connsiteX4" y="connsiteY4"/>
+              </a:cxn>
+              <a:cxn ang="0">
+                <a:pos x="connsiteX5" y="connsiteY5"/>
+              </a:cxn>
+              <a:cxn ang="0">
+                <a:pos x="connsiteX6" y="connsiteY6"/>
+              </a:cxn>
+              <a:cxn ang="0">
+                <a:pos x="connsiteX7" y="connsiteY7"/>
+              </a:cxn>
+              <a:cxn ang="0">
+                <a:pos x="connsiteX8" y="connsiteY8"/>
+              </a:cxn>
+              <a:cxn ang="0">
+                <a:pos x="connsiteX9" y="connsiteY9"/>
+              </a:cxn>
+              <a:cxn ang="0">
+                <a:pos x="connsiteX10" y="connsiteY10"/>
+              </a:cxn>
+              <a:cxn ang="0">
+                <a:pos x="connsiteX11" y="connsiteY11"/>
+              </a:cxn>
+              <a:cxn ang="0">
+                <a:pos x="connsiteX12" y="connsiteY12"/>
+              </a:cxn>
+              <a:cxn ang="0">
+                <a:pos x="connsiteX13" y="connsiteY13"/>
+              </a:cxn>
+              <a:cxn ang="0">
+                <a:pos x="connsiteX14" y="connsiteY14"/>
+              </a:cxn>
+              <a:cxn ang="0">
+                <a:pos x="connsiteX15" y="connsiteY15"/>
+              </a:cxn>
+              <a:cxn ang="0">
+                <a:pos x="connsiteX16" y="connsiteY16"/>
+              </a:cxn>
+            </a:cxnLst>
+            <a:rect l="l" t="t" r="r" b="b"/>
+            <a:pathLst>
+              <a:path w="4480560" h="18288" fill="none" extrusionOk="0">
+                <a:moveTo>
+                  <a:pt x="0" y="0"/>
+                </a:moveTo>
+                <a:cubicBezTo>
+                  <a:pt x="267821" y="8731"/>
+                  <a:pt x="334105" y="2629"/>
+                  <a:pt x="595274" y="0"/>
+                </a:cubicBezTo>
+                <a:cubicBezTo>
+                  <a:pt x="856443" y="-2629"/>
+                  <a:pt x="863808" y="-13353"/>
+                  <a:pt x="1100938" y="0"/>
+                </a:cubicBezTo>
+                <a:cubicBezTo>
+                  <a:pt x="1338068" y="13353"/>
+                  <a:pt x="1431663" y="-25862"/>
+                  <a:pt x="1651406" y="0"/>
+                </a:cubicBezTo>
+                <a:cubicBezTo>
+                  <a:pt x="1871149" y="25862"/>
+                  <a:pt x="2173163" y="23827"/>
+                  <a:pt x="2336292" y="0"/>
+                </a:cubicBezTo>
+                <a:cubicBezTo>
+                  <a:pt x="2499421" y="-23827"/>
+                  <a:pt x="2720589" y="28148"/>
+                  <a:pt x="2931566" y="0"/>
+                </a:cubicBezTo>
+                <a:cubicBezTo>
+                  <a:pt x="3142543" y="-28148"/>
+                  <a:pt x="3323630" y="27022"/>
+                  <a:pt x="3482035" y="0"/>
+                </a:cubicBezTo>
+                <a:cubicBezTo>
+                  <a:pt x="3640440" y="-27022"/>
+                  <a:pt x="4012110" y="-20118"/>
+                  <a:pt x="4480560" y="0"/>
+                </a:cubicBezTo>
+                <a:cubicBezTo>
+                  <a:pt x="4480958" y="7429"/>
+                  <a:pt x="4480540" y="10822"/>
+                  <a:pt x="4480560" y="18288"/>
+                </a:cubicBezTo>
+                <a:cubicBezTo>
+                  <a:pt x="4314132" y="14924"/>
+                  <a:pt x="4028383" y="36632"/>
+                  <a:pt x="3840480" y="18288"/>
+                </a:cubicBezTo>
+                <a:cubicBezTo>
+                  <a:pt x="3652577" y="-56"/>
+                  <a:pt x="3547615" y="2848"/>
+                  <a:pt x="3290011" y="18288"/>
+                </a:cubicBezTo>
+                <a:cubicBezTo>
+                  <a:pt x="3032407" y="33728"/>
+                  <a:pt x="2830268" y="8719"/>
+                  <a:pt x="2560320" y="18288"/>
+                </a:cubicBezTo>
+                <a:cubicBezTo>
+                  <a:pt x="2290372" y="27857"/>
+                  <a:pt x="2147422" y="6728"/>
+                  <a:pt x="1965046" y="18288"/>
+                </a:cubicBezTo>
+                <a:cubicBezTo>
+                  <a:pt x="1782670" y="29848"/>
+                  <a:pt x="1689791" y="40680"/>
+                  <a:pt x="1459382" y="18288"/>
+                </a:cubicBezTo>
+                <a:cubicBezTo>
+                  <a:pt x="1228973" y="-4104"/>
+                  <a:pt x="915486" y="36501"/>
+                  <a:pt x="774497" y="18288"/>
+                </a:cubicBezTo>
+                <a:cubicBezTo>
+                  <a:pt x="633508" y="75"/>
+                  <a:pt x="361442" y="-11107"/>
+                  <a:pt x="0" y="18288"/>
+                </a:cubicBezTo>
+                <a:cubicBezTo>
+                  <a:pt x="-591" y="13205"/>
+                  <a:pt x="-663" y="6329"/>
+                  <a:pt x="0" y="0"/>
+                </a:cubicBezTo>
+                <a:close/>
+              </a:path>
+              <a:path w="4480560" h="18288" stroke="0" extrusionOk="0">
+                <a:moveTo>
+                  <a:pt x="0" y="0"/>
+                </a:moveTo>
+                <a:cubicBezTo>
+                  <a:pt x="285465" y="225"/>
+                  <a:pt x="322691" y="16223"/>
+                  <a:pt x="595274" y="0"/>
+                </a:cubicBezTo>
+                <a:cubicBezTo>
+                  <a:pt x="867857" y="-16223"/>
+                  <a:pt x="989129" y="-11242"/>
+                  <a:pt x="1100938" y="0"/>
+                </a:cubicBezTo>
+                <a:cubicBezTo>
+                  <a:pt x="1212747" y="11242"/>
+                  <a:pt x="1574350" y="-36410"/>
+                  <a:pt x="1830629" y="0"/>
+                </a:cubicBezTo>
+                <a:cubicBezTo>
+                  <a:pt x="2086908" y="36410"/>
+                  <a:pt x="2180922" y="4645"/>
+                  <a:pt x="2425903" y="0"/>
+                </a:cubicBezTo>
+                <a:cubicBezTo>
+                  <a:pt x="2670884" y="-4645"/>
+                  <a:pt x="2782024" y="22929"/>
+                  <a:pt x="3021178" y="0"/>
+                </a:cubicBezTo>
+                <a:cubicBezTo>
+                  <a:pt x="3260332" y="-22929"/>
+                  <a:pt x="3456982" y="-1586"/>
+                  <a:pt x="3750869" y="0"/>
+                </a:cubicBezTo>
+                <a:cubicBezTo>
+                  <a:pt x="4044756" y="1586"/>
+                  <a:pt x="4302726" y="17043"/>
+                  <a:pt x="4480560" y="0"/>
+                </a:cubicBezTo>
+                <a:cubicBezTo>
+                  <a:pt x="4479674" y="5429"/>
+                  <a:pt x="4481381" y="14046"/>
+                  <a:pt x="4480560" y="18288"/>
+                </a:cubicBezTo>
+                <a:cubicBezTo>
+                  <a:pt x="4279652" y="-6850"/>
+                  <a:pt x="4200762" y="41566"/>
+                  <a:pt x="3930091" y="18288"/>
+                </a:cubicBezTo>
+                <a:cubicBezTo>
+                  <a:pt x="3659420" y="-4990"/>
+                  <a:pt x="3456052" y="22294"/>
+                  <a:pt x="3290011" y="18288"/>
+                </a:cubicBezTo>
+                <a:cubicBezTo>
+                  <a:pt x="3123970" y="14282"/>
+                  <a:pt x="2882392" y="32818"/>
+                  <a:pt x="2649931" y="18288"/>
+                </a:cubicBezTo>
+                <a:cubicBezTo>
+                  <a:pt x="2417470" y="3758"/>
+                  <a:pt x="2238426" y="7337"/>
+                  <a:pt x="2054657" y="18288"/>
+                </a:cubicBezTo>
+                <a:cubicBezTo>
+                  <a:pt x="1870888" y="29239"/>
+                  <a:pt x="1566368" y="45040"/>
+                  <a:pt x="1324966" y="18288"/>
+                </a:cubicBezTo>
+                <a:cubicBezTo>
+                  <a:pt x="1083564" y="-8464"/>
+                  <a:pt x="787410" y="10946"/>
+                  <a:pt x="595274" y="18288"/>
+                </a:cubicBezTo>
+                <a:cubicBezTo>
+                  <a:pt x="403138" y="25630"/>
+                  <a:pt x="169622" y="10499"/>
+                  <a:pt x="0" y="18288"/>
+                </a:cubicBezTo>
+                <a:cubicBezTo>
+                  <a:pt x="668" y="13665"/>
+                  <a:pt x="578" y="5675"/>
+                  <a:pt x="0" y="0"/>
+                </a:cubicBezTo>
+                <a:close/>
+              </a:path>
+            </a:pathLst>
+          </a:custGeom>
+          <a:solidFill>
+            <a:schemeClr val="accent2"/>
+          </a:solidFill>
+          <a:ln w="41275" cap="rnd">
+            <a:solidFill>
+              <a:schemeClr val="accent2"/>
+            </a:solidFill>
+            <a:round/>
+            <a:extLst>
+              <a:ext uri="{C807C97D-BFC1-408E-A445-0C87EB9F89A2}">
+                <ask:lineSketchStyleProps xmlns:ask="http://schemas.microsoft.com/office/drawing/2018/sketchyshapes" sd="1219033472">
+                  <a:prstGeom prst="rect">
+                    <a:avLst/>
+                  </a:prstGeom>
+                  <ask:type>
+                    <ask:lineSketchFreehand/>
+                  </ask:type>
+                </ask:lineSketchStyleProps>
+              </a:ext>
+            </a:extLst>
+          </a:ln>
+        </p:spPr>
+        <p:style>
+          <a:lnRef idx="2">
+            <a:schemeClr val="accent1">
+              <a:shade val="50000"/>
+            </a:schemeClr>
+          </a:lnRef>
+          <a:fillRef idx="1">
+            <a:schemeClr val="accent1"/>
+          </a:fillRef>
+          <a:effectRef idx="0">
+            <a:schemeClr val="accent1"/>
+          </a:effectRef>
+          <a:fontRef idx="minor">
+            <a:schemeClr val="lt1"/>
+          </a:fontRef>
+        </p:style>
+        <p:txBody>
+          <a:bodyPr rtlCol="0" anchor="ctr"/>
+          <a:lstStyle/>
+          <a:p>
+            <a:pPr algn="ctr"/>
+            <a:endParaRPr lang="en-US"/>
+          </a:p>
+        </p:txBody>
+      </p:sp>
+      <p:sp>
+        <p:nvSpPr>
+          <p:cNvPr id="3" name="ZoneTexte 2">
+            <a:extLst>
+              <a:ext uri="{FF2B5EF4-FFF2-40B4-BE49-F238E27FC236}">
+                <a16:creationId xmlns:a16="http://schemas.microsoft.com/office/drawing/2014/main" id="{A3619901-8564-42ED-906C-DD405D4864CC}"/>
+              </a:ext>
+            </a:extLst>
+          </p:cNvPr>
+          <p:cNvSpPr txBox="1"/>
+          <p:nvPr/>
+        </p:nvSpPr>
+        <p:spPr>
+          <a:xfrm>
+            <a:off x="5126418" y="552091"/>
+            <a:ext cx="6224335" cy="1793945"/>
+          </a:xfrm>
+          <a:prstGeom prst="rect">
+            <a:avLst/>
+          </a:prstGeom>
+        </p:spPr>
+        <p:txBody>
+          <a:bodyPr vert="horz" lIns="91440" tIns="45720" rIns="91440" bIns="45720" rtlCol="0" anchor="ctr">
+            <a:normAutofit/>
+          </a:bodyPr>
+          <a:lstStyle/>
+          <a:p>
+            <a:pPr marL="0" indent="0">
+              <a:buNone/>
+            </a:pPr>
+            <a:r>
+              <a:rPr lang="fr-FR" sz="2400" dirty="0"/>
+              <a:t>La forêt aléatoire se repose sur plusieurs modèles dits « faibles » d’arbres de décision puis les combinent en prenant la solution de la majorité.</a:t>
+            </a:r>
+          </a:p>
+        </p:txBody>
+      </p:sp>
+      <p:sp>
+        <p:nvSpPr>
+          <p:cNvPr id="4" name="Espace réservé du numéro de diapositive 3">
+            <a:extLst>
+              <a:ext uri="{FF2B5EF4-FFF2-40B4-BE49-F238E27FC236}">
+                <a16:creationId xmlns:a16="http://schemas.microsoft.com/office/drawing/2014/main" id="{6259B87A-461B-46C1-B9BE-F3EC2BEA8D2A}"/>
+              </a:ext>
+            </a:extLst>
+          </p:cNvPr>
+          <p:cNvSpPr>
+            <a:spLocks noGrp="1"/>
+          </p:cNvSpPr>
+          <p:nvPr>
+            <p:ph type="sldNum" sz="quarter" idx="12"/>
+          </p:nvPr>
+        </p:nvSpPr>
+        <p:spPr>
+          <a:xfrm>
+            <a:off x="8610600" y="6356350"/>
+            <a:ext cx="2743200" cy="365125"/>
+          </a:xfrm>
+        </p:spPr>
+        <p:txBody>
+          <a:bodyPr vert="horz" lIns="91440" tIns="45720" rIns="91440" bIns="45720" rtlCol="0" anchor="ctr">
+            <a:normAutofit/>
+          </a:bodyPr>
+          <a:lstStyle/>
+          <a:p>
+            <a:pPr>
+              <a:spcAft>
+                <a:spcPts val="600"/>
+              </a:spcAft>
+            </a:pPr>
+            <a:fld id="{E2868FE7-C493-437F-BE5E-929D2D552473}" type="slidenum">
+              <a:rPr lang="en-US" smtClean="0"/>
+              <a:pPr>
+                <a:spcAft>
+                  <a:spcPts val="600"/>
+                </a:spcAft>
+              </a:pPr>
+              <a:t>23</a:t>
             </a:fld>
             <a:endParaRPr lang="en-US"/>
           </a:p>
@@ -12549,7 +13377,7 @@
 </p:sld>
 </file>
 
-<file path=ppt/slides/slide23.xml><?xml version="1.0" encoding="utf-8"?>
+<file path=ppt/slides/slide24.xml><?xml version="1.0" encoding="utf-8"?>
 <p:sld xmlns:a="http://schemas.openxmlformats.org/drawingml/2006/main" xmlns:r="http://schemas.openxmlformats.org/officeDocument/2006/relationships" xmlns:p="http://schemas.openxmlformats.org/presentationml/2006/main">
   <p:cSld>
     <p:bg>
@@ -13077,8 +13905,8 @@
         </p:nvSpPr>
         <p:spPr>
           <a:xfrm>
-            <a:off x="6095999" y="882315"/>
-            <a:ext cx="5254754" cy="5294647"/>
+            <a:off x="6094476" y="250574"/>
+            <a:ext cx="5254754" cy="6288338"/>
           </a:xfrm>
         </p:spPr>
         <p:txBody>
@@ -13091,12 +13919,8 @@
               <a:buNone/>
             </a:pPr>
             <a:r>
-              <a:rPr lang="fr-FR" sz="1500" b="1" dirty="0" err="1"/>
-              <a:t>Naives</a:t>
-            </a:r>
-            <a:r>
               <a:rPr lang="fr-FR" sz="1500" b="1" dirty="0"/>
-              <a:t> bayes </a:t>
+              <a:t>Baseline </a:t>
             </a:r>
           </a:p>
           <a:p>
@@ -13105,7 +13929,7 @@
             </a:pPr>
             <a:r>
               <a:rPr lang="fr-FR" sz="1500" dirty="0"/>
-              <a:t>NB, </a:t>
+              <a:t>BL, </a:t>
             </a:r>
             <a:r>
               <a:rPr lang="fr-FR" sz="1500" dirty="0" err="1"/>
@@ -13113,7 +13937,7 @@
             </a:r>
             <a:r>
               <a:rPr lang="fr-FR" sz="1500" dirty="0"/>
-              <a:t> TF-IDF: 0.457</a:t>
+              <a:t> TF-IDF: 0.12 et F1 score : 0,02</a:t>
             </a:r>
           </a:p>
           <a:p>
@@ -13122,7 +13946,7 @@
             </a:pPr>
             <a:r>
               <a:rPr lang="fr-FR" sz="1500" dirty="0"/>
-              <a:t>NB, N-Gram </a:t>
+              <a:t>BL, N-Gram </a:t>
             </a:r>
             <a:r>
               <a:rPr lang="fr-FR" sz="1500" dirty="0" err="1"/>
@@ -13130,7 +13954,60 @@
             </a:r>
             <a:r>
               <a:rPr lang="fr-FR" sz="1500" dirty="0"/>
-              <a:t>: 0.457</a:t>
+              <a:t>: 0.12 et F1 score : 0,02</a:t>
+            </a:r>
+          </a:p>
+          <a:p>
+            <a:pPr marL="0" indent="0">
+              <a:buNone/>
+            </a:pPr>
+            <a:endParaRPr lang="fr-FR" sz="1500" b="1" dirty="0"/>
+          </a:p>
+          <a:p>
+            <a:pPr marL="0" indent="0">
+              <a:buNone/>
+            </a:pPr>
+            <a:r>
+              <a:rPr lang="fr-FR" sz="1500" b="1" dirty="0" err="1"/>
+              <a:t>Naives</a:t>
+            </a:r>
+            <a:r>
+              <a:rPr lang="fr-FR" sz="1500" b="1" dirty="0"/>
+              <a:t> bayes </a:t>
+            </a:r>
+          </a:p>
+          <a:p>
+            <a:pPr marL="0" indent="0">
+              <a:buNone/>
+            </a:pPr>
+            <a:r>
+              <a:rPr lang="fr-FR" sz="1500" dirty="0"/>
+              <a:t>NB, </a:t>
+            </a:r>
+            <a:r>
+              <a:rPr lang="fr-FR" sz="1500" dirty="0" err="1"/>
+              <a:t>WordLevel</a:t>
+            </a:r>
+            <a:r>
+              <a:rPr lang="fr-FR" sz="1500" dirty="0"/>
+              <a:t> TF-IDF: 0.457 et F1 score : 0,42</a:t>
+            </a:r>
+          </a:p>
+          <a:p>
+            <a:pPr marL="0" indent="0">
+              <a:buNone/>
+            </a:pPr>
+            <a:r>
+              <a:rPr lang="fr-FR" sz="1500" dirty="0"/>
+              <a:t>NB, N-Gram </a:t>
+            </a:r>
+            <a:r>
+              <a:rPr lang="fr-FR" sz="1500" dirty="0" err="1"/>
+              <a:t>Vectors</a:t>
+            </a:r>
+            <a:r>
+              <a:rPr lang="fr-FR" sz="1500" dirty="0"/>
+              <a:t>: 0.457 et F1 score : 0,42</a:t>
             </a:r>
           </a:p>
           <a:p>
@@ -13199,8 +14076,17 @@
                   <a:srgbClr val="FF0000"/>
                 </a:solidFill>
               </a:rPr>
-              <a:t> TF-IDF:  0.478</a:t>
-            </a:r>
+              <a:t> TF-IDF:  0.478 </a:t>
+            </a:r>
+            <a:r>
+              <a:rPr lang="fr-FR" sz="1500" dirty="0"/>
+              <a:t>et F1 score : 0,46</a:t>
+            </a:r>
+            <a:endParaRPr lang="fr-FR" sz="1500" dirty="0">
+              <a:solidFill>
+                <a:srgbClr val="FF0000"/>
+              </a:solidFill>
+            </a:endParaRPr>
           </a:p>
           <a:p>
             <a:pPr marL="0" indent="0">
@@ -13228,8 +14114,17 @@
                   <a:srgbClr val="FF0000"/>
                 </a:solidFill>
               </a:rPr>
-              <a:t>:  0.478</a:t>
-            </a:r>
+              <a:t>:  0.478 </a:t>
+            </a:r>
+            <a:r>
+              <a:rPr lang="fr-FR" sz="1500" dirty="0"/>
+              <a:t>et F1 score : 0,46</a:t>
+            </a:r>
+            <a:endParaRPr lang="fr-FR" sz="1500" dirty="0">
+              <a:solidFill>
+                <a:srgbClr val="FF0000"/>
+              </a:solidFill>
+            </a:endParaRPr>
           </a:p>
           <a:p>
             <a:pPr marL="0" indent="0">
@@ -13260,7 +14155,7 @@
             </a:r>
             <a:r>
               <a:rPr lang="fr-FR" sz="1500" dirty="0"/>
-              <a:t> TF-IDF:  0.449</a:t>
+              <a:t> TF-IDF:  0.449 et F1 score : 0,43</a:t>
             </a:r>
           </a:p>
           <a:p>
@@ -13277,7 +14172,7 @@
             </a:r>
             <a:r>
               <a:rPr lang="fr-FR" sz="1500" dirty="0"/>
-              <a:t>:  0.449</a:t>
+              <a:t>:  0.449 et F1 score : 0,43</a:t>
             </a:r>
           </a:p>
           <a:p>
@@ -13313,7 +14208,7 @@
             </a:r>
             <a:r>
               <a:rPr lang="fr-FR" sz="1500" dirty="0"/>
-              <a:t> TF-IDF:  0.464</a:t>
+              <a:t> TF-IDF:  0.464 et F1 score : 0,46</a:t>
             </a:r>
           </a:p>
           <a:p>
@@ -13330,7 +14225,7 @@
             </a:r>
             <a:r>
               <a:rPr lang="fr-FR" sz="1500" dirty="0"/>
-              <a:t>:  0.462</a:t>
+              <a:t>:  0.462 et F1 score : 0,46</a:t>
             </a:r>
           </a:p>
         </p:txBody>
@@ -13375,7 +14270,7 @@
                   <a:spcPts val="600"/>
                 </a:spcAft>
               </a:pPr>
-              <a:t>23</a:t>
+              <a:t>24</a:t>
             </a:fld>
             <a:endParaRPr lang="fr-FR"/>
           </a:p>
@@ -13394,7 +14289,699 @@
 </p:sld>
 </file>
 
-<file path=ppt/slides/slide24.xml><?xml version="1.0" encoding="utf-8"?>
+<file path=ppt/slides/slide25.xml><?xml version="1.0" encoding="utf-8"?>
+<p:sld xmlns:a="http://schemas.openxmlformats.org/drawingml/2006/main" xmlns:r="http://schemas.openxmlformats.org/officeDocument/2006/relationships" xmlns:p="http://schemas.openxmlformats.org/presentationml/2006/main">
+  <p:cSld>
+    <p:bg>
+      <p:bgPr>
+        <a:solidFill>
+          <a:schemeClr val="bg1"/>
+        </a:solidFill>
+        <a:effectLst/>
+      </p:bgPr>
+    </p:bg>
+    <p:spTree>
+      <p:nvGrpSpPr>
+        <p:cNvPr id="1" name=""/>
+        <p:cNvGrpSpPr/>
+        <p:nvPr/>
+      </p:nvGrpSpPr>
+      <p:grpSpPr>
+        <a:xfrm>
+          <a:off x="0" y="0"/>
+          <a:ext cx="0" cy="0"/>
+          <a:chOff x="0" y="0"/>
+          <a:chExt cx="0" cy="0"/>
+        </a:xfrm>
+      </p:grpSpPr>
+      <p:sp useBgFill="1">
+        <p:nvSpPr>
+          <p:cNvPr id="9" name="Rectangle 8">
+            <a:extLst>
+              <a:ext uri="{FF2B5EF4-FFF2-40B4-BE49-F238E27FC236}">
+                <a16:creationId xmlns:a16="http://schemas.microsoft.com/office/drawing/2014/main" id="{C05CBC3C-2E5A-4839-8B9B-2E5A6ADF0F58}"/>
+              </a:ext>
+              <a:ext uri="{C183D7F6-B498-43B3-948B-1728B52AA6E4}">
+                <adec:decorative xmlns:adec="http://schemas.microsoft.com/office/drawing/2017/decorative" val="1"/>
+              </a:ext>
+            </a:extLst>
+          </p:cNvPr>
+          <p:cNvSpPr>
+            <a:spLocks noGrp="1" noRot="1" noChangeAspect="1" noMove="1" noResize="1" noEditPoints="1" noAdjustHandles="1" noChangeArrowheads="1" noChangeShapeType="1" noTextEdit="1"/>
+          </p:cNvSpPr>
+          <p:nvPr>
+            <p:extLst>
+              <p:ext uri="{386F3935-93C4-4BCD-93E2-E3B085C9AB24}">
+                <p16:designElem xmlns:p16="http://schemas.microsoft.com/office/powerpoint/2015/main" val="1"/>
+              </p:ext>
+            </p:extLst>
+          </p:nvPr>
+        </p:nvSpPr>
+        <p:spPr>
+          <a:xfrm>
+            <a:off x="0" y="0"/>
+            <a:ext cx="12188952" cy="6858000"/>
+          </a:xfrm>
+          <a:prstGeom prst="rect">
+            <a:avLst/>
+          </a:prstGeom>
+          <a:ln>
+            <a:noFill/>
+          </a:ln>
+        </p:spPr>
+        <p:style>
+          <a:lnRef idx="2">
+            <a:schemeClr val="accent1">
+              <a:shade val="50000"/>
+            </a:schemeClr>
+          </a:lnRef>
+          <a:fillRef idx="1">
+            <a:schemeClr val="accent1"/>
+          </a:fillRef>
+          <a:effectRef idx="0">
+            <a:schemeClr val="accent1"/>
+          </a:effectRef>
+          <a:fontRef idx="minor">
+            <a:schemeClr val="lt1"/>
+          </a:fontRef>
+        </p:style>
+        <p:txBody>
+          <a:bodyPr rtlCol="0" anchor="ctr"/>
+          <a:lstStyle/>
+          <a:p>
+            <a:pPr algn="ctr"/>
+            <a:endParaRPr lang="en-US"/>
+          </a:p>
+        </p:txBody>
+      </p:sp>
+      <p:sp>
+        <p:nvSpPr>
+          <p:cNvPr id="11" name="Freeform: Shape 10">
+            <a:extLst>
+              <a:ext uri="{FF2B5EF4-FFF2-40B4-BE49-F238E27FC236}">
+                <a16:creationId xmlns:a16="http://schemas.microsoft.com/office/drawing/2014/main" id="{827FF362-FC97-4BF5-949B-D4ADFA26E457}"/>
+              </a:ext>
+              <a:ext uri="{C183D7F6-B498-43B3-948B-1728B52AA6E4}">
+                <adec:decorative xmlns:adec="http://schemas.microsoft.com/office/drawing/2017/decorative" val="1"/>
+              </a:ext>
+            </a:extLst>
+          </p:cNvPr>
+          <p:cNvSpPr>
+            <a:spLocks noGrp="1" noRot="1" noChangeAspect="1" noMove="1" noResize="1" noEditPoints="1" noAdjustHandles="1" noChangeArrowheads="1" noChangeShapeType="1" noTextEdit="1"/>
+          </p:cNvSpPr>
+          <p:nvPr>
+            <p:extLst>
+              <p:ext uri="{386F3935-93C4-4BCD-93E2-E3B085C9AB24}">
+                <p16:designElem xmlns:p16="http://schemas.microsoft.com/office/powerpoint/2015/main" val="1"/>
+              </p:ext>
+            </p:extLst>
+          </p:nvPr>
+        </p:nvSpPr>
+        <p:spPr>
+          <a:xfrm rot="8888549">
+            <a:off x="-1059473" y="-1108988"/>
+            <a:ext cx="7179830" cy="5226565"/>
+          </a:xfrm>
+          <a:custGeom>
+            <a:avLst/>
+            <a:gdLst>
+              <a:gd name="connsiteX0" fmla="*/ 5217841 w 7179830"/>
+              <a:gd name="connsiteY0" fmla="*/ 464824 h 5226565"/>
+              <a:gd name="connsiteX1" fmla="*/ 5222490 w 7179830"/>
+              <a:gd name="connsiteY1" fmla="*/ 464289 h 5226565"/>
+              <a:gd name="connsiteX2" fmla="*/ 5216768 w 7179830"/>
+              <a:gd name="connsiteY2" fmla="*/ 463394 h 5226565"/>
+              <a:gd name="connsiteX3" fmla="*/ 5217841 w 7179830"/>
+              <a:gd name="connsiteY3" fmla="*/ 464824 h 5226565"/>
+              <a:gd name="connsiteX4" fmla="*/ 4945201 w 7179830"/>
+              <a:gd name="connsiteY4" fmla="*/ 5226565 h 5226565"/>
+              <a:gd name="connsiteX5" fmla="*/ 140449 w 7179830"/>
+              <a:gd name="connsiteY5" fmla="*/ 2240811 h 5226565"/>
+              <a:gd name="connsiteX6" fmla="*/ 232913 w 7179830"/>
+              <a:gd name="connsiteY6" fmla="*/ 2052782 h 5226565"/>
+              <a:gd name="connsiteX7" fmla="*/ 375714 w 7179830"/>
+              <a:gd name="connsiteY7" fmla="*/ 1803205 h 5226565"/>
+              <a:gd name="connsiteX8" fmla="*/ 1512756 w 7179830"/>
+              <a:gd name="connsiteY8" fmla="*/ 638448 h 5226565"/>
+              <a:gd name="connsiteX9" fmla="*/ 2902095 w 7179830"/>
+              <a:gd name="connsiteY9" fmla="*/ 120440 h 5226565"/>
+              <a:gd name="connsiteX10" fmla="*/ 2848453 w 7179830"/>
+              <a:gd name="connsiteY10" fmla="*/ 125626 h 5226565"/>
+              <a:gd name="connsiteX11" fmla="*/ 1837830 w 7179830"/>
+              <a:gd name="connsiteY11" fmla="*/ 426203 h 5226565"/>
+              <a:gd name="connsiteX12" fmla="*/ 214608 w 7179830"/>
+              <a:gd name="connsiteY12" fmla="*/ 1882239 h 5226565"/>
+              <a:gd name="connsiteX13" fmla="*/ 91317 w 7179830"/>
+              <a:gd name="connsiteY13" fmla="*/ 2123701 h 5226565"/>
+              <a:gd name="connsiteX14" fmla="*/ 64092 w 7179830"/>
+              <a:gd name="connsiteY14" fmla="*/ 2193361 h 5226565"/>
+              <a:gd name="connsiteX15" fmla="*/ 0 w 7179830"/>
+              <a:gd name="connsiteY15" fmla="*/ 2153533 h 5226565"/>
+              <a:gd name="connsiteX16" fmla="*/ 42834 w 7179830"/>
+              <a:gd name="connsiteY16" fmla="*/ 2047277 h 5226565"/>
+              <a:gd name="connsiteX17" fmla="*/ 923582 w 7179830"/>
+              <a:gd name="connsiteY17" fmla="*/ 915600 h 5226565"/>
+              <a:gd name="connsiteX18" fmla="*/ 2686989 w 7179830"/>
+              <a:gd name="connsiteY18" fmla="*/ 73950 h 5226565"/>
+              <a:gd name="connsiteX19" fmla="*/ 3059983 w 7179830"/>
+              <a:gd name="connsiteY19" fmla="*/ 20308 h 5226565"/>
+              <a:gd name="connsiteX20" fmla="*/ 3454435 w 7179830"/>
+              <a:gd name="connsiteY20" fmla="*/ 1176 h 5226565"/>
+              <a:gd name="connsiteX21" fmla="*/ 3923806 w 7179830"/>
+              <a:gd name="connsiteY21" fmla="*/ 49990 h 5226565"/>
+              <a:gd name="connsiteX22" fmla="*/ 5350874 w 7179830"/>
+              <a:gd name="connsiteY22" fmla="*/ 426917 h 5226565"/>
+              <a:gd name="connsiteX23" fmla="*/ 6607360 w 7179830"/>
+              <a:gd name="connsiteY23" fmla="*/ 1075097 h 5226565"/>
+              <a:gd name="connsiteX24" fmla="*/ 7110534 w 7179830"/>
+              <a:gd name="connsiteY24" fmla="*/ 1541421 h 5226565"/>
+              <a:gd name="connsiteX25" fmla="*/ 7179830 w 7179830"/>
+              <a:gd name="connsiteY25" fmla="*/ 1630542 h 5226565"/>
+              <a:gd name="connsiteX26" fmla="*/ 7136295 w 7179830"/>
+              <a:gd name="connsiteY26" fmla="*/ 1700600 h 5226565"/>
+              <a:gd name="connsiteX27" fmla="*/ 7131140 w 7179830"/>
+              <a:gd name="connsiteY27" fmla="*/ 1693045 h 5226565"/>
+              <a:gd name="connsiteX28" fmla="*/ 6577499 w 7179830"/>
+              <a:gd name="connsiteY28" fmla="*/ 1148230 h 5226565"/>
+              <a:gd name="connsiteX29" fmla="*/ 5494816 w 7179830"/>
+              <a:gd name="connsiteY29" fmla="*/ 563527 h 5226565"/>
+              <a:gd name="connsiteX30" fmla="*/ 5366967 w 7179830"/>
+              <a:gd name="connsiteY30" fmla="*/ 514176 h 5226565"/>
+              <a:gd name="connsiteX31" fmla="*/ 5244661 w 7179830"/>
+              <a:gd name="connsiteY31" fmla="*/ 470725 h 5226565"/>
+              <a:gd name="connsiteX32" fmla="*/ 5904822 w 7179830"/>
+              <a:gd name="connsiteY32" fmla="*/ 815468 h 5226565"/>
+              <a:gd name="connsiteX33" fmla="*/ 7015222 w 7179830"/>
+              <a:gd name="connsiteY33" fmla="*/ 1815185 h 5226565"/>
+              <a:gd name="connsiteX34" fmla="*/ 7040454 w 7179830"/>
+              <a:gd name="connsiteY34" fmla="*/ 1854830 h 5226565"/>
+            </a:gdLst>
+            <a:ahLst/>
+            <a:cxnLst>
+              <a:cxn ang="0">
+                <a:pos x="connsiteX0" y="connsiteY0"/>
+              </a:cxn>
+              <a:cxn ang="0">
+                <a:pos x="connsiteX1" y="connsiteY1"/>
+              </a:cxn>
+              <a:cxn ang="0">
+                <a:pos x="connsiteX2" y="connsiteY2"/>
+              </a:cxn>
+              <a:cxn ang="0">
+                <a:pos x="connsiteX3" y="connsiteY3"/>
+              </a:cxn>
+              <a:cxn ang="0">
+                <a:pos x="connsiteX4" y="connsiteY4"/>
+              </a:cxn>
+              <a:cxn ang="0">
+                <a:pos x="connsiteX5" y="connsiteY5"/>
+              </a:cxn>
+              <a:cxn ang="0">
+                <a:pos x="connsiteX6" y="connsiteY6"/>
+              </a:cxn>
+              <a:cxn ang="0">
+                <a:pos x="connsiteX7" y="connsiteY7"/>
+              </a:cxn>
+              <a:cxn ang="0">
+                <a:pos x="connsiteX8" y="connsiteY8"/>
+              </a:cxn>
+              <a:cxn ang="0">
+                <a:pos x="connsiteX9" y="connsiteY9"/>
+              </a:cxn>
+              <a:cxn ang="0">
+                <a:pos x="connsiteX10" y="connsiteY10"/>
+              </a:cxn>
+              <a:cxn ang="0">
+                <a:pos x="connsiteX11" y="connsiteY11"/>
+              </a:cxn>
+              <a:cxn ang="0">
+                <a:pos x="connsiteX12" y="connsiteY12"/>
+              </a:cxn>
+              <a:cxn ang="0">
+                <a:pos x="connsiteX13" y="connsiteY13"/>
+              </a:cxn>
+              <a:cxn ang="0">
+                <a:pos x="connsiteX14" y="connsiteY14"/>
+              </a:cxn>
+              <a:cxn ang="0">
+                <a:pos x="connsiteX15" y="connsiteY15"/>
+              </a:cxn>
+              <a:cxn ang="0">
+                <a:pos x="connsiteX16" y="connsiteY16"/>
+              </a:cxn>
+              <a:cxn ang="0">
+                <a:pos x="connsiteX17" y="connsiteY17"/>
+              </a:cxn>
+              <a:cxn ang="0">
+                <a:pos x="connsiteX18" y="connsiteY18"/>
+              </a:cxn>
+              <a:cxn ang="0">
+                <a:pos x="connsiteX19" y="connsiteY19"/>
+              </a:cxn>
+              <a:cxn ang="0">
+                <a:pos x="connsiteX20" y="connsiteY20"/>
+              </a:cxn>
+              <a:cxn ang="0">
+                <a:pos x="connsiteX21" y="connsiteY21"/>
+              </a:cxn>
+              <a:cxn ang="0">
+                <a:pos x="connsiteX22" y="connsiteY22"/>
+              </a:cxn>
+              <a:cxn ang="0">
+                <a:pos x="connsiteX23" y="connsiteY23"/>
+              </a:cxn>
+              <a:cxn ang="0">
+                <a:pos x="connsiteX24" y="connsiteY24"/>
+              </a:cxn>
+              <a:cxn ang="0">
+                <a:pos x="connsiteX25" y="connsiteY25"/>
+              </a:cxn>
+              <a:cxn ang="0">
+                <a:pos x="connsiteX26" y="connsiteY26"/>
+              </a:cxn>
+              <a:cxn ang="0">
+                <a:pos x="connsiteX27" y="connsiteY27"/>
+              </a:cxn>
+              <a:cxn ang="0">
+                <a:pos x="connsiteX28" y="connsiteY28"/>
+              </a:cxn>
+              <a:cxn ang="0">
+                <a:pos x="connsiteX29" y="connsiteY29"/>
+              </a:cxn>
+              <a:cxn ang="0">
+                <a:pos x="connsiteX30" y="connsiteY30"/>
+              </a:cxn>
+              <a:cxn ang="0">
+                <a:pos x="connsiteX31" y="connsiteY31"/>
+              </a:cxn>
+              <a:cxn ang="0">
+                <a:pos x="connsiteX32" y="connsiteY32"/>
+              </a:cxn>
+              <a:cxn ang="0">
+                <a:pos x="connsiteX33" y="connsiteY33"/>
+              </a:cxn>
+              <a:cxn ang="0">
+                <a:pos x="connsiteX34" y="connsiteY34"/>
+              </a:cxn>
+            </a:cxnLst>
+            <a:rect l="l" t="t" r="r" b="b"/>
+            <a:pathLst>
+              <a:path w="7179830" h="5226565">
+                <a:moveTo>
+                  <a:pt x="5217841" y="464824"/>
+                </a:moveTo>
+                <a:lnTo>
+                  <a:pt x="5222490" y="464289"/>
+                </a:lnTo>
+                <a:lnTo>
+                  <a:pt x="5216768" y="463394"/>
+                </a:lnTo>
+                <a:cubicBezTo>
+                  <a:pt x="5216768" y="463394"/>
+                  <a:pt x="5216768" y="464646"/>
+                  <a:pt x="5217841" y="464824"/>
+                </a:cubicBezTo>
+                <a:close/>
+                <a:moveTo>
+                  <a:pt x="4945201" y="5226565"/>
+                </a:moveTo>
+                <a:lnTo>
+                  <a:pt x="140449" y="2240811"/>
+                </a:lnTo>
+                <a:lnTo>
+                  <a:pt x="232913" y="2052782"/>
+                </a:lnTo>
+                <a:cubicBezTo>
+                  <a:pt x="277693" y="1968290"/>
+                  <a:pt x="325201" y="1885054"/>
+                  <a:pt x="375714" y="1803205"/>
+                </a:cubicBezTo>
+                <a:cubicBezTo>
+                  <a:pt x="667528" y="1329721"/>
+                  <a:pt x="1039629" y="935091"/>
+                  <a:pt x="1512756" y="638448"/>
+                </a:cubicBezTo>
+                <a:cubicBezTo>
+                  <a:pt x="1939392" y="370950"/>
+                  <a:pt x="2405724" y="210560"/>
+                  <a:pt x="2902095" y="120440"/>
+                </a:cubicBezTo>
+                <a:cubicBezTo>
+                  <a:pt x="2884054" y="118134"/>
+                  <a:pt x="2865727" y="119904"/>
+                  <a:pt x="2848453" y="125626"/>
+                </a:cubicBezTo>
+                <a:cubicBezTo>
+                  <a:pt x="2498704" y="175943"/>
+                  <a:pt x="2158217" y="277201"/>
+                  <a:pt x="1837830" y="426203"/>
+                </a:cubicBezTo>
+                <a:cubicBezTo>
+                  <a:pt x="1147094" y="744660"/>
+                  <a:pt x="593502" y="1217071"/>
+                  <a:pt x="214608" y="1882239"/>
+                </a:cubicBezTo>
+                <a:cubicBezTo>
+                  <a:pt x="169441" y="1960776"/>
+                  <a:pt x="128308" y="2041369"/>
+                  <a:pt x="91317" y="2123701"/>
+                </a:cubicBezTo>
+                <a:lnTo>
+                  <a:pt x="64092" y="2193361"/>
+                </a:lnTo>
+                <a:lnTo>
+                  <a:pt x="0" y="2153533"/>
+                </a:lnTo>
+                <a:lnTo>
+                  <a:pt x="42834" y="2047277"/>
+                </a:lnTo>
+                <a:cubicBezTo>
+                  <a:pt x="241792" y="1615775"/>
+                  <a:pt x="541268" y="1241591"/>
+                  <a:pt x="923582" y="915600"/>
+                </a:cubicBezTo>
+                <a:cubicBezTo>
+                  <a:pt x="1435331" y="478415"/>
+                  <a:pt x="2028081" y="205375"/>
+                  <a:pt x="2686989" y="73950"/>
+                </a:cubicBezTo>
+                <a:cubicBezTo>
+                  <a:pt x="2810367" y="49274"/>
+                  <a:pt x="2934818" y="32466"/>
+                  <a:pt x="3059983" y="20308"/>
+                </a:cubicBezTo>
+                <a:cubicBezTo>
+                  <a:pt x="3185149" y="8148"/>
+                  <a:pt x="3308706" y="2963"/>
+                  <a:pt x="3454435" y="1176"/>
+                </a:cubicBezTo>
+                <a:cubicBezTo>
+                  <a:pt x="3599805" y="-5977"/>
+                  <a:pt x="3761985" y="20665"/>
+                  <a:pt x="3923806" y="49990"/>
+                </a:cubicBezTo>
+                <a:cubicBezTo>
+                  <a:pt x="4409449" y="137964"/>
+                  <a:pt x="4886867" y="257228"/>
+                  <a:pt x="5350874" y="426917"/>
+                </a:cubicBezTo>
+                <a:cubicBezTo>
+                  <a:pt x="5797001" y="589991"/>
+                  <a:pt x="6223101" y="792223"/>
+                  <a:pt x="6607360" y="1075097"/>
+                </a:cubicBezTo>
+                <a:cubicBezTo>
+                  <a:pt x="6794438" y="1212779"/>
+                  <a:pt x="6965102" y="1365689"/>
+                  <a:pt x="7110534" y="1541421"/>
+                </a:cubicBezTo>
+                <a:lnTo>
+                  <a:pt x="7179830" y="1630542"/>
+                </a:lnTo>
+                <a:lnTo>
+                  <a:pt x="7136295" y="1700600"/>
+                </a:lnTo>
+                <a:lnTo>
+                  <a:pt x="7131140" y="1693045"/>
+                </a:lnTo>
+                <a:cubicBezTo>
+                  <a:pt x="6977874" y="1483026"/>
+                  <a:pt x="6788448" y="1305671"/>
+                  <a:pt x="6577499" y="1148230"/>
+                </a:cubicBezTo>
+                <a:cubicBezTo>
+                  <a:pt x="6245452" y="900401"/>
+                  <a:pt x="5878538" y="716408"/>
+                  <a:pt x="5494816" y="563527"/>
+                </a:cubicBezTo>
+                <a:cubicBezTo>
+                  <a:pt x="5452491" y="546487"/>
+                  <a:pt x="5409881" y="530036"/>
+                  <a:pt x="5366967" y="514176"/>
+                </a:cubicBezTo>
+                <a:cubicBezTo>
+                  <a:pt x="5326377" y="499156"/>
+                  <a:pt x="5285430" y="485210"/>
+                  <a:pt x="5244661" y="470725"/>
+                </a:cubicBezTo>
+                <a:cubicBezTo>
+                  <a:pt x="5471517" y="572127"/>
+                  <a:pt x="5691970" y="687263"/>
+                  <a:pt x="5904822" y="815468"/>
+                </a:cubicBezTo>
+                <a:cubicBezTo>
+                  <a:pt x="6336645" y="1080104"/>
+                  <a:pt x="6718758" y="1400351"/>
+                  <a:pt x="7015222" y="1815185"/>
+                </a:cubicBezTo>
+                <a:lnTo>
+                  <a:pt x="7040454" y="1854830"/>
+                </a:lnTo>
+                <a:close/>
+              </a:path>
+            </a:pathLst>
+          </a:custGeom>
+          <a:solidFill>
+            <a:schemeClr val="accent2"/>
+          </a:solidFill>
+          <a:ln w="12700" cap="flat">
+            <a:noFill/>
+            <a:prstDash val="solid"/>
+            <a:miter/>
+          </a:ln>
+        </p:spPr>
+        <p:txBody>
+          <a:bodyPr wrap="square" rtlCol="0" anchor="ctr">
+            <a:noAutofit/>
+          </a:bodyPr>
+          <a:lstStyle/>
+          <a:p>
+            <a:endParaRPr lang="en-US"/>
+          </a:p>
+        </p:txBody>
+      </p:sp>
+      <p:sp>
+        <p:nvSpPr>
+          <p:cNvPr id="2" name="Titre 1">
+            <a:extLst>
+              <a:ext uri="{FF2B5EF4-FFF2-40B4-BE49-F238E27FC236}">
+                <a16:creationId xmlns:a16="http://schemas.microsoft.com/office/drawing/2014/main" id="{209977BF-EA40-414A-8BEC-C48AA5E5A7DB}"/>
+              </a:ext>
+            </a:extLst>
+          </p:cNvPr>
+          <p:cNvSpPr>
+            <a:spLocks noGrp="1"/>
+          </p:cNvSpPr>
+          <p:nvPr>
+            <p:ph type="title"/>
+          </p:nvPr>
+        </p:nvSpPr>
+        <p:spPr>
+          <a:xfrm>
+            <a:off x="841246" y="673770"/>
+            <a:ext cx="3644489" cy="2414488"/>
+          </a:xfrm>
+        </p:spPr>
+        <p:txBody>
+          <a:bodyPr anchor="t">
+            <a:normAutofit fontScale="90000"/>
+          </a:bodyPr>
+          <a:lstStyle/>
+          <a:p>
+            <a:r>
+              <a:rPr lang="fr-FR" sz="5400" dirty="0">
+                <a:solidFill>
+                  <a:srgbClr val="FFFFFF"/>
+                </a:solidFill>
+              </a:rPr>
+              <a:t>Matrice de confusion du modèle </a:t>
+            </a:r>
+            <a:r>
+              <a:rPr lang="fr-FR" sz="5400" dirty="0" err="1">
+                <a:solidFill>
+                  <a:srgbClr val="FFFFFF"/>
+                </a:solidFill>
+              </a:rPr>
+              <a:t>LogReg</a:t>
+            </a:r>
+            <a:endParaRPr lang="fr-FR" sz="5400" dirty="0">
+              <a:solidFill>
+                <a:srgbClr val="FFFFFF"/>
+              </a:solidFill>
+            </a:endParaRPr>
+          </a:p>
+        </p:txBody>
+      </p:sp>
+      <p:sp>
+        <p:nvSpPr>
+          <p:cNvPr id="3" name="Espace réservé du contenu 2">
+            <a:extLst>
+              <a:ext uri="{FF2B5EF4-FFF2-40B4-BE49-F238E27FC236}">
+                <a16:creationId xmlns:a16="http://schemas.microsoft.com/office/drawing/2014/main" id="{38E7040D-86DB-4B98-8886-6789311D183F}"/>
+              </a:ext>
+            </a:extLst>
+          </p:cNvPr>
+          <p:cNvSpPr>
+            <a:spLocks noGrp="1"/>
+          </p:cNvSpPr>
+          <p:nvPr>
+            <p:ph idx="1"/>
+          </p:nvPr>
+        </p:nvSpPr>
+        <p:spPr>
+          <a:xfrm>
+            <a:off x="417250" y="4634144"/>
+            <a:ext cx="4518734" cy="1904768"/>
+          </a:xfrm>
+        </p:spPr>
+        <p:txBody>
+          <a:bodyPr>
+            <a:normAutofit/>
+          </a:bodyPr>
+          <a:lstStyle/>
+          <a:p>
+            <a:pPr marL="0" indent="0">
+              <a:buNone/>
+            </a:pPr>
+            <a:r>
+              <a:rPr lang="fr-FR" sz="1500" b="1" dirty="0"/>
+              <a:t>Matrice de confusion </a:t>
+            </a:r>
+          </a:p>
+          <a:p>
+            <a:pPr marL="0" indent="0">
+              <a:buNone/>
+            </a:pPr>
+            <a:r>
+              <a:rPr lang="fr-FR" sz="1500" dirty="0"/>
+              <a:t>La matrice montre une bonne prédiction de la majorité des tags très fréquents mais comme le </a:t>
+            </a:r>
+            <a:r>
+              <a:rPr lang="fr-FR" sz="1500" dirty="0" err="1"/>
+              <a:t>dataset</a:t>
+            </a:r>
+            <a:r>
+              <a:rPr lang="fr-FR" sz="1500" dirty="0"/>
+              <a:t> est déséquilibré, une partie des tags ne sont pas présents dans le </a:t>
+            </a:r>
+            <a:r>
+              <a:rPr lang="fr-FR" sz="1500" dirty="0" err="1"/>
+              <a:t>testset</a:t>
+            </a:r>
+            <a:r>
+              <a:rPr lang="fr-FR" sz="1500" dirty="0"/>
+              <a:t> et ne sont donc pas prédit.</a:t>
+            </a:r>
+          </a:p>
+        </p:txBody>
+      </p:sp>
+      <p:sp>
+        <p:nvSpPr>
+          <p:cNvPr id="4" name="Espace réservé du numéro de diapositive 3">
+            <a:extLst>
+              <a:ext uri="{FF2B5EF4-FFF2-40B4-BE49-F238E27FC236}">
+                <a16:creationId xmlns:a16="http://schemas.microsoft.com/office/drawing/2014/main" id="{99B4C8B6-94EF-41A6-B627-2CD7104E7444}"/>
+              </a:ext>
+            </a:extLst>
+          </p:cNvPr>
+          <p:cNvSpPr>
+            <a:spLocks noGrp="1"/>
+          </p:cNvSpPr>
+          <p:nvPr>
+            <p:ph type="sldNum" sz="quarter" idx="12"/>
+          </p:nvPr>
+        </p:nvSpPr>
+        <p:spPr>
+          <a:xfrm>
+            <a:off x="8610600" y="6356350"/>
+            <a:ext cx="2743200" cy="365125"/>
+          </a:xfrm>
+        </p:spPr>
+        <p:txBody>
+          <a:bodyPr>
+            <a:normAutofit/>
+          </a:bodyPr>
+          <a:lstStyle/>
+          <a:p>
+            <a:pPr>
+              <a:spcAft>
+                <a:spcPts val="600"/>
+              </a:spcAft>
+            </a:pPr>
+            <a:fld id="{E2868FE7-C493-437F-BE5E-929D2D552473}" type="slidenum">
+              <a:rPr lang="fr-FR" smtClean="0"/>
+              <a:pPr>
+                <a:spcAft>
+                  <a:spcPts val="600"/>
+                </a:spcAft>
+              </a:pPr>
+              <a:t>25</a:t>
+            </a:fld>
+            <a:endParaRPr lang="fr-FR"/>
+          </a:p>
+        </p:txBody>
+      </p:sp>
+      <p:pic>
+        <p:nvPicPr>
+          <p:cNvPr id="1026" name="Picture 2">
+            <a:extLst>
+              <a:ext uri="{FF2B5EF4-FFF2-40B4-BE49-F238E27FC236}">
+                <a16:creationId xmlns:a16="http://schemas.microsoft.com/office/drawing/2014/main" id="{7A3CEBA0-D5A3-465F-A2D5-170020F32912}"/>
+              </a:ext>
+            </a:extLst>
+          </p:cNvPr>
+          <p:cNvPicPr>
+            <a:picLocks noChangeAspect="1" noChangeArrowheads="1"/>
+          </p:cNvPicPr>
+          <p:nvPr/>
+        </p:nvPicPr>
+        <p:blipFill>
+          <a:blip r:embed="rId2">
+            <a:extLst>
+              <a:ext uri="{28A0092B-C50C-407E-A947-70E740481C1C}">
+                <a14:useLocalDpi xmlns:a14="http://schemas.microsoft.com/office/drawing/2010/main" val="0"/>
+              </a:ext>
+            </a:extLst>
+          </a:blip>
+          <a:srcRect/>
+          <a:stretch>
+            <a:fillRect/>
+          </a:stretch>
+        </p:blipFill>
+        <p:spPr bwMode="auto">
+          <a:xfrm>
+            <a:off x="5959958" y="848025"/>
+            <a:ext cx="5868057" cy="5153487"/>
+          </a:xfrm>
+          <a:prstGeom prst="rect">
+            <a:avLst/>
+          </a:prstGeom>
+          <a:noFill/>
+          <a:extLst>
+            <a:ext uri="{909E8E84-426E-40DD-AFC4-6F175D3DCCD1}">
+              <a14:hiddenFill xmlns:a14="http://schemas.microsoft.com/office/drawing/2010/main">
+                <a:solidFill>
+                  <a:srgbClr val="FFFFFF"/>
+                </a:solidFill>
+              </a14:hiddenFill>
+            </a:ext>
+          </a:extLst>
+        </p:spPr>
+      </p:pic>
+    </p:spTree>
+    <p:extLst>
+      <p:ext uri="{BB962C8B-B14F-4D97-AF65-F5344CB8AC3E}">
+        <p14:creationId xmlns:p14="http://schemas.microsoft.com/office/powerpoint/2010/main" val="383287469"/>
+      </p:ext>
+    </p:extLst>
+  </p:cSld>
+  <p:clrMapOvr>
+    <a:masterClrMapping/>
+  </p:clrMapOvr>
+</p:sld>
+</file>
+
+<file path=ppt/slides/slide26.xml><?xml version="1.0" encoding="utf-8"?>
 <p:sld xmlns:a="http://schemas.openxmlformats.org/drawingml/2006/main" xmlns:r="http://schemas.openxmlformats.org/officeDocument/2006/relationships" xmlns:p="http://schemas.openxmlformats.org/presentationml/2006/main">
   <p:cSld>
     <p:bg>
@@ -13638,7 +15225,7 @@
               <a:buNone/>
             </a:pPr>
             <a:r>
-              <a:rPr lang="en-US" sz="1600">
+              <a:rPr lang="en-US" sz="1600" dirty="0">
                 <a:solidFill>
                   <a:schemeClr val="tx1">
                     <a:lumMod val="85000"/>
@@ -13646,7 +15233,139 @@
                   </a:schemeClr>
                 </a:solidFill>
               </a:rPr>
-              <a:t>xx</a:t>
+              <a:t>Le </a:t>
+            </a:r>
+            <a:r>
+              <a:rPr lang="en-US" sz="1600" dirty="0" err="1">
+                <a:solidFill>
+                  <a:schemeClr val="tx1">
+                    <a:lumMod val="85000"/>
+                    <a:lumOff val="15000"/>
+                  </a:schemeClr>
+                </a:solidFill>
+              </a:rPr>
+              <a:t>modèle</a:t>
+            </a:r>
+            <a:r>
+              <a:rPr lang="en-US" sz="1600" dirty="0">
+                <a:solidFill>
+                  <a:schemeClr val="tx1">
+                    <a:lumMod val="85000"/>
+                    <a:lumOff val="15000"/>
+                  </a:schemeClr>
+                </a:solidFill>
+              </a:rPr>
+              <a:t> de </a:t>
+            </a:r>
+            <a:r>
+              <a:rPr lang="en-US" sz="1600" dirty="0" err="1">
+                <a:solidFill>
+                  <a:schemeClr val="tx1">
+                    <a:lumMod val="85000"/>
+                    <a:lumOff val="15000"/>
+                  </a:schemeClr>
+                </a:solidFill>
+              </a:rPr>
+              <a:t>Régression</a:t>
+            </a:r>
+            <a:r>
+              <a:rPr lang="en-US" sz="1600" dirty="0">
+                <a:solidFill>
+                  <a:schemeClr val="tx1">
+                    <a:lumMod val="85000"/>
+                    <a:lumOff val="15000"/>
+                  </a:schemeClr>
+                </a:solidFill>
+              </a:rPr>
+              <a:t> Logistic </a:t>
+            </a:r>
+            <a:r>
+              <a:rPr lang="en-US" sz="1600" dirty="0" err="1">
+                <a:solidFill>
+                  <a:schemeClr val="tx1">
+                    <a:lumMod val="85000"/>
+                    <a:lumOff val="15000"/>
+                  </a:schemeClr>
+                </a:solidFill>
+              </a:rPr>
+              <a:t>est</a:t>
+            </a:r>
+            <a:r>
+              <a:rPr lang="en-US" sz="1600" dirty="0">
+                <a:solidFill>
+                  <a:schemeClr val="tx1">
+                    <a:lumMod val="85000"/>
+                    <a:lumOff val="15000"/>
+                  </a:schemeClr>
+                </a:solidFill>
+              </a:rPr>
+              <a:t> le plus pertinent pour la prediction de tags et le </a:t>
+            </a:r>
+            <a:r>
+              <a:rPr lang="en-US" sz="1600" dirty="0" err="1">
+                <a:solidFill>
+                  <a:schemeClr val="tx1">
+                    <a:lumMod val="85000"/>
+                    <a:lumOff val="15000"/>
+                  </a:schemeClr>
+                </a:solidFill>
+              </a:rPr>
+              <a:t>déploiement</a:t>
+            </a:r>
+            <a:r>
+              <a:rPr lang="en-US" sz="1600" dirty="0">
+                <a:solidFill>
+                  <a:schemeClr val="tx1">
+                    <a:lumMod val="85000"/>
+                    <a:lumOff val="15000"/>
+                  </a:schemeClr>
+                </a:solidFill>
+              </a:rPr>
+              <a:t> </a:t>
+            </a:r>
+            <a:r>
+              <a:rPr lang="en-US" sz="1600" dirty="0" err="1">
+                <a:solidFill>
+                  <a:schemeClr val="tx1">
+                    <a:lumMod val="85000"/>
+                    <a:lumOff val="15000"/>
+                  </a:schemeClr>
+                </a:solidFill>
+              </a:rPr>
+              <a:t>d’une</a:t>
+            </a:r>
+            <a:r>
+              <a:rPr lang="en-US" sz="1600" dirty="0">
+                <a:solidFill>
+                  <a:schemeClr val="tx1">
+                    <a:lumMod val="85000"/>
+                    <a:lumOff val="15000"/>
+                  </a:schemeClr>
+                </a:solidFill>
+              </a:rPr>
+              <a:t> </a:t>
+            </a:r>
+            <a:r>
+              <a:rPr lang="en-US" sz="1600" dirty="0" err="1">
+                <a:solidFill>
+                  <a:schemeClr val="tx1">
+                    <a:lumMod val="85000"/>
+                    <a:lumOff val="15000"/>
+                  </a:schemeClr>
+                </a:solidFill>
+              </a:rPr>
+              <a:t>appli</a:t>
+            </a:r>
+            <a:r>
+              <a:rPr lang="en-US" sz="1600" dirty="0">
+                <a:solidFill>
+                  <a:schemeClr val="tx1">
+                    <a:lumMod val="85000"/>
+                    <a:lumOff val="15000"/>
+                  </a:schemeClr>
+                </a:solidFill>
+              </a:rPr>
+              <a:t>.</a:t>
             </a:r>
           </a:p>
         </p:txBody>
@@ -14920,7 +16639,7 @@
                 </a:spcAft>
                 <a:defRPr/>
               </a:pPr>
-              <a:t>24</a:t>
+              <a:t>26</a:t>
             </a:fld>
             <a:endParaRPr lang="en-US" sz="1000">
               <a:solidFill>
